--- a/微信公众号.pptx
+++ b/微信公众号.pptx
@@ -2,14 +2,23 @@
 <file path=ppt/presentation.xml><?xml version="1.0" encoding="utf-8"?>
 <p:presentation xmlns:a="http://schemas.openxmlformats.org/drawingml/2006/main" xmlns:r="http://schemas.openxmlformats.org/officeDocument/2006/relationships" xmlns:p="http://schemas.openxmlformats.org/presentationml/2006/main" saveSubsetFonts="1">
   <p:sldMasterIdLst>
-    <p:sldMasterId id="2147483648" r:id="rId1"/>
+    <p:sldMasterId id="2147483660" r:id="rId1"/>
   </p:sldMasterIdLst>
+  <p:notesMasterIdLst>
+    <p:notesMasterId r:id="rId13"/>
+  </p:notesMasterIdLst>
   <p:sldIdLst>
     <p:sldId id="258" r:id="rId2"/>
     <p:sldId id="257" r:id="rId3"/>
     <p:sldId id="256" r:id="rId4"/>
     <p:sldId id="259" r:id="rId5"/>
-    <p:sldId id="260" r:id="rId6"/>
+    <p:sldId id="265" r:id="rId6"/>
+    <p:sldId id="260" r:id="rId7"/>
+    <p:sldId id="261" r:id="rId8"/>
+    <p:sldId id="262" r:id="rId9"/>
+    <p:sldId id="263" r:id="rId10"/>
+    <p:sldId id="264" r:id="rId11"/>
+    <p:sldId id="266" r:id="rId12"/>
   </p:sldIdLst>
   <p:sldSz cx="12192000" cy="6858000"/>
   <p:notesSz cx="6858000" cy="9144000"/>
@@ -116,6 +125,524 @@
 </p:presentation>
 </file>
 
+<file path=ppt/notesMasters/notesMaster1.xml><?xml version="1.0" encoding="utf-8"?>
+<p:notesMaster xmlns:a="http://schemas.openxmlformats.org/drawingml/2006/main" xmlns:r="http://schemas.openxmlformats.org/officeDocument/2006/relationships" xmlns:p="http://schemas.openxmlformats.org/presentationml/2006/main">
+  <p:cSld>
+    <p:bg>
+      <p:bgRef idx="1001">
+        <a:schemeClr val="bg1"/>
+      </p:bgRef>
+    </p:bg>
+    <p:spTree>
+      <p:nvGrpSpPr>
+        <p:cNvPr id="1" name=""/>
+        <p:cNvGrpSpPr/>
+        <p:nvPr/>
+      </p:nvGrpSpPr>
+      <p:grpSpPr>
+        <a:xfrm>
+          <a:off x="0" y="0"/>
+          <a:ext cx="0" cy="0"/>
+          <a:chOff x="0" y="0"/>
+          <a:chExt cx="0" cy="0"/>
+        </a:xfrm>
+      </p:grpSpPr>
+      <p:sp>
+        <p:nvSpPr>
+          <p:cNvPr id="2" name="页眉占位符 1"/>
+          <p:cNvSpPr>
+            <a:spLocks noGrp="1"/>
+          </p:cNvSpPr>
+          <p:nvPr>
+            <p:ph type="hdr" sz="quarter"/>
+          </p:nvPr>
+        </p:nvSpPr>
+        <p:spPr>
+          <a:xfrm>
+            <a:off x="0" y="0"/>
+            <a:ext cx="2971800" cy="458788"/>
+          </a:xfrm>
+          <a:prstGeom prst="rect">
+            <a:avLst/>
+          </a:prstGeom>
+        </p:spPr>
+        <p:txBody>
+          <a:bodyPr vert="horz" lIns="91440" tIns="45720" rIns="91440" bIns="45720" rtlCol="0"/>
+          <a:lstStyle>
+            <a:lvl1pPr algn="l">
+              <a:defRPr sz="1200"/>
+            </a:lvl1pPr>
+          </a:lstStyle>
+          <a:p>
+            <a:endParaRPr lang="zh-CN" altLang="en-US"/>
+          </a:p>
+        </p:txBody>
+      </p:sp>
+      <p:sp>
+        <p:nvSpPr>
+          <p:cNvPr id="3" name="日期占位符 2"/>
+          <p:cNvSpPr>
+            <a:spLocks noGrp="1"/>
+          </p:cNvSpPr>
+          <p:nvPr>
+            <p:ph type="dt" idx="1"/>
+          </p:nvPr>
+        </p:nvSpPr>
+        <p:spPr>
+          <a:xfrm>
+            <a:off x="3884613" y="0"/>
+            <a:ext cx="2971800" cy="458788"/>
+          </a:xfrm>
+          <a:prstGeom prst="rect">
+            <a:avLst/>
+          </a:prstGeom>
+        </p:spPr>
+        <p:txBody>
+          <a:bodyPr vert="horz" lIns="91440" tIns="45720" rIns="91440" bIns="45720" rtlCol="0"/>
+          <a:lstStyle>
+            <a:lvl1pPr algn="r">
+              <a:defRPr sz="1200"/>
+            </a:lvl1pPr>
+          </a:lstStyle>
+          <a:p>
+            <a:fld id="{B1F4B415-437E-4D30-B6B2-2A0544DA5E6A}" type="datetimeFigureOut">
+              <a:rPr lang="zh-CN" altLang="en-US" smtClean="0"/>
+              <a:t>2018/5/18</a:t>
+            </a:fld>
+            <a:endParaRPr lang="zh-CN" altLang="en-US"/>
+          </a:p>
+        </p:txBody>
+      </p:sp>
+      <p:sp>
+        <p:nvSpPr>
+          <p:cNvPr id="4" name="幻灯片图像占位符 3"/>
+          <p:cNvSpPr>
+            <a:spLocks noGrp="1" noRot="1" noChangeAspect="1"/>
+          </p:cNvSpPr>
+          <p:nvPr>
+            <p:ph type="sldImg" idx="2"/>
+          </p:nvPr>
+        </p:nvSpPr>
+        <p:spPr>
+          <a:xfrm>
+            <a:off x="685800" y="1143000"/>
+            <a:ext cx="5486400" cy="3086100"/>
+          </a:xfrm>
+          <a:prstGeom prst="rect">
+            <a:avLst/>
+          </a:prstGeom>
+          <a:noFill/>
+          <a:ln w="12700">
+            <a:solidFill>
+              <a:prstClr val="black"/>
+            </a:solidFill>
+          </a:ln>
+        </p:spPr>
+        <p:txBody>
+          <a:bodyPr vert="horz" lIns="91440" tIns="45720" rIns="91440" bIns="45720" rtlCol="0" anchor="ctr"/>
+          <a:lstStyle/>
+          <a:p>
+            <a:endParaRPr lang="zh-CN" altLang="en-US"/>
+          </a:p>
+        </p:txBody>
+      </p:sp>
+      <p:sp>
+        <p:nvSpPr>
+          <p:cNvPr id="5" name="备注占位符 4"/>
+          <p:cNvSpPr>
+            <a:spLocks noGrp="1"/>
+          </p:cNvSpPr>
+          <p:nvPr>
+            <p:ph type="body" sz="quarter" idx="3"/>
+          </p:nvPr>
+        </p:nvSpPr>
+        <p:spPr>
+          <a:xfrm>
+            <a:off x="685800" y="4400550"/>
+            <a:ext cx="5486400" cy="3600450"/>
+          </a:xfrm>
+          <a:prstGeom prst="rect">
+            <a:avLst/>
+          </a:prstGeom>
+        </p:spPr>
+        <p:txBody>
+          <a:bodyPr vert="horz" lIns="91440" tIns="45720" rIns="91440" bIns="45720" rtlCol="0"/>
+          <a:lstStyle/>
+          <a:p>
+            <a:pPr lvl="0"/>
+            <a:r>
+              <a:rPr lang="zh-CN" altLang="en-US" smtClean="0"/>
+              <a:t>单击此处编辑母版文本样式</a:t>
+            </a:r>
+          </a:p>
+          <a:p>
+            <a:pPr lvl="1"/>
+            <a:r>
+              <a:rPr lang="zh-CN" altLang="en-US" smtClean="0"/>
+              <a:t>第二级</a:t>
+            </a:r>
+          </a:p>
+          <a:p>
+            <a:pPr lvl="2"/>
+            <a:r>
+              <a:rPr lang="zh-CN" altLang="en-US" smtClean="0"/>
+              <a:t>第三级</a:t>
+            </a:r>
+          </a:p>
+          <a:p>
+            <a:pPr lvl="3"/>
+            <a:r>
+              <a:rPr lang="zh-CN" altLang="en-US" smtClean="0"/>
+              <a:t>第四级</a:t>
+            </a:r>
+          </a:p>
+          <a:p>
+            <a:pPr lvl="4"/>
+            <a:r>
+              <a:rPr lang="zh-CN" altLang="en-US" smtClean="0"/>
+              <a:t>第五级</a:t>
+            </a:r>
+            <a:endParaRPr lang="zh-CN" altLang="en-US"/>
+          </a:p>
+        </p:txBody>
+      </p:sp>
+      <p:sp>
+        <p:nvSpPr>
+          <p:cNvPr id="6" name="页脚占位符 5"/>
+          <p:cNvSpPr>
+            <a:spLocks noGrp="1"/>
+          </p:cNvSpPr>
+          <p:nvPr>
+            <p:ph type="ftr" sz="quarter" idx="4"/>
+          </p:nvPr>
+        </p:nvSpPr>
+        <p:spPr>
+          <a:xfrm>
+            <a:off x="0" y="8685213"/>
+            <a:ext cx="2971800" cy="458787"/>
+          </a:xfrm>
+          <a:prstGeom prst="rect">
+            <a:avLst/>
+          </a:prstGeom>
+        </p:spPr>
+        <p:txBody>
+          <a:bodyPr vert="horz" lIns="91440" tIns="45720" rIns="91440" bIns="45720" rtlCol="0" anchor="b"/>
+          <a:lstStyle>
+            <a:lvl1pPr algn="l">
+              <a:defRPr sz="1200"/>
+            </a:lvl1pPr>
+          </a:lstStyle>
+          <a:p>
+            <a:endParaRPr lang="zh-CN" altLang="en-US"/>
+          </a:p>
+        </p:txBody>
+      </p:sp>
+      <p:sp>
+        <p:nvSpPr>
+          <p:cNvPr id="7" name="灯片编号占位符 6"/>
+          <p:cNvSpPr>
+            <a:spLocks noGrp="1"/>
+          </p:cNvSpPr>
+          <p:nvPr>
+            <p:ph type="sldNum" sz="quarter" idx="5"/>
+          </p:nvPr>
+        </p:nvSpPr>
+        <p:spPr>
+          <a:xfrm>
+            <a:off x="3884613" y="8685213"/>
+            <a:ext cx="2971800" cy="458787"/>
+          </a:xfrm>
+          <a:prstGeom prst="rect">
+            <a:avLst/>
+          </a:prstGeom>
+        </p:spPr>
+        <p:txBody>
+          <a:bodyPr vert="horz" lIns="91440" tIns="45720" rIns="91440" bIns="45720" rtlCol="0" anchor="b"/>
+          <a:lstStyle>
+            <a:lvl1pPr algn="r">
+              <a:defRPr sz="1200"/>
+            </a:lvl1pPr>
+          </a:lstStyle>
+          <a:p>
+            <a:fld id="{31973253-BA6C-4451-8732-0BB0A106BD4D}" type="slidenum">
+              <a:rPr lang="zh-CN" altLang="en-US" smtClean="0"/>
+              <a:t>‹#›</a:t>
+            </a:fld>
+            <a:endParaRPr lang="zh-CN" altLang="en-US"/>
+          </a:p>
+        </p:txBody>
+      </p:sp>
+    </p:spTree>
+    <p:extLst>
+      <p:ext uri="{BB962C8B-B14F-4D97-AF65-F5344CB8AC3E}">
+        <p14:creationId xmlns:p14="http://schemas.microsoft.com/office/powerpoint/2010/main" val="629956050"/>
+      </p:ext>
+    </p:extLst>
+  </p:cSld>
+  <p:clrMap bg1="lt1" tx1="dk1" bg2="lt2" tx2="dk2" accent1="accent1" accent2="accent2" accent3="accent3" accent4="accent4" accent5="accent5" accent6="accent6" hlink="hlink" folHlink="folHlink"/>
+  <p:notesStyle>
+    <a:lvl1pPr marL="0" algn="l" defTabSz="914400" rtl="0" eaLnBrk="1" latinLnBrk="0" hangingPunct="1">
+      <a:defRPr sz="1200" kern="1200">
+        <a:solidFill>
+          <a:schemeClr val="tx1"/>
+        </a:solidFill>
+        <a:latin typeface="+mn-lt"/>
+        <a:ea typeface="+mn-ea"/>
+        <a:cs typeface="+mn-cs"/>
+      </a:defRPr>
+    </a:lvl1pPr>
+    <a:lvl2pPr marL="457200" algn="l" defTabSz="914400" rtl="0" eaLnBrk="1" latinLnBrk="0" hangingPunct="1">
+      <a:defRPr sz="1200" kern="1200">
+        <a:solidFill>
+          <a:schemeClr val="tx1"/>
+        </a:solidFill>
+        <a:latin typeface="+mn-lt"/>
+        <a:ea typeface="+mn-ea"/>
+        <a:cs typeface="+mn-cs"/>
+      </a:defRPr>
+    </a:lvl2pPr>
+    <a:lvl3pPr marL="914400" algn="l" defTabSz="914400" rtl="0" eaLnBrk="1" latinLnBrk="0" hangingPunct="1">
+      <a:defRPr sz="1200" kern="1200">
+        <a:solidFill>
+          <a:schemeClr val="tx1"/>
+        </a:solidFill>
+        <a:latin typeface="+mn-lt"/>
+        <a:ea typeface="+mn-ea"/>
+        <a:cs typeface="+mn-cs"/>
+      </a:defRPr>
+    </a:lvl3pPr>
+    <a:lvl4pPr marL="1371600" algn="l" defTabSz="914400" rtl="0" eaLnBrk="1" latinLnBrk="0" hangingPunct="1">
+      <a:defRPr sz="1200" kern="1200">
+        <a:solidFill>
+          <a:schemeClr val="tx1"/>
+        </a:solidFill>
+        <a:latin typeface="+mn-lt"/>
+        <a:ea typeface="+mn-ea"/>
+        <a:cs typeface="+mn-cs"/>
+      </a:defRPr>
+    </a:lvl4pPr>
+    <a:lvl5pPr marL="1828800" algn="l" defTabSz="914400" rtl="0" eaLnBrk="1" latinLnBrk="0" hangingPunct="1">
+      <a:defRPr sz="1200" kern="1200">
+        <a:solidFill>
+          <a:schemeClr val="tx1"/>
+        </a:solidFill>
+        <a:latin typeface="+mn-lt"/>
+        <a:ea typeface="+mn-ea"/>
+        <a:cs typeface="+mn-cs"/>
+      </a:defRPr>
+    </a:lvl5pPr>
+    <a:lvl6pPr marL="2286000" algn="l" defTabSz="914400" rtl="0" eaLnBrk="1" latinLnBrk="0" hangingPunct="1">
+      <a:defRPr sz="1200" kern="1200">
+        <a:solidFill>
+          <a:schemeClr val="tx1"/>
+        </a:solidFill>
+        <a:latin typeface="+mn-lt"/>
+        <a:ea typeface="+mn-ea"/>
+        <a:cs typeface="+mn-cs"/>
+      </a:defRPr>
+    </a:lvl6pPr>
+    <a:lvl7pPr marL="2743200" algn="l" defTabSz="914400" rtl="0" eaLnBrk="1" latinLnBrk="0" hangingPunct="1">
+      <a:defRPr sz="1200" kern="1200">
+        <a:solidFill>
+          <a:schemeClr val="tx1"/>
+        </a:solidFill>
+        <a:latin typeface="+mn-lt"/>
+        <a:ea typeface="+mn-ea"/>
+        <a:cs typeface="+mn-cs"/>
+      </a:defRPr>
+    </a:lvl7pPr>
+    <a:lvl8pPr marL="3200400" algn="l" defTabSz="914400" rtl="0" eaLnBrk="1" latinLnBrk="0" hangingPunct="1">
+      <a:defRPr sz="1200" kern="1200">
+        <a:solidFill>
+          <a:schemeClr val="tx1"/>
+        </a:solidFill>
+        <a:latin typeface="+mn-lt"/>
+        <a:ea typeface="+mn-ea"/>
+        <a:cs typeface="+mn-cs"/>
+      </a:defRPr>
+    </a:lvl8pPr>
+    <a:lvl9pPr marL="3657600" algn="l" defTabSz="914400" rtl="0" eaLnBrk="1" latinLnBrk="0" hangingPunct="1">
+      <a:defRPr sz="1200" kern="1200">
+        <a:solidFill>
+          <a:schemeClr val="tx1"/>
+        </a:solidFill>
+        <a:latin typeface="+mn-lt"/>
+        <a:ea typeface="+mn-ea"/>
+        <a:cs typeface="+mn-cs"/>
+      </a:defRPr>
+    </a:lvl9pPr>
+  </p:notesStyle>
+</p:notesMaster>
+</file>
+
+<file path=ppt/notesSlides/notesSlide1.xml><?xml version="1.0" encoding="utf-8"?>
+<p:notes xmlns:a="http://schemas.openxmlformats.org/drawingml/2006/main" xmlns:r="http://schemas.openxmlformats.org/officeDocument/2006/relationships" xmlns:p="http://schemas.openxmlformats.org/presentationml/2006/main">
+  <p:cSld>
+    <p:spTree>
+      <p:nvGrpSpPr>
+        <p:cNvPr id="1" name=""/>
+        <p:cNvGrpSpPr/>
+        <p:nvPr/>
+      </p:nvGrpSpPr>
+      <p:grpSpPr>
+        <a:xfrm>
+          <a:off x="0" y="0"/>
+          <a:ext cx="0" cy="0"/>
+          <a:chOff x="0" y="0"/>
+          <a:chExt cx="0" cy="0"/>
+        </a:xfrm>
+      </p:grpSpPr>
+      <p:sp>
+        <p:nvSpPr>
+          <p:cNvPr id="2" name="幻灯片图像占位符 1"/>
+          <p:cNvSpPr>
+            <a:spLocks noGrp="1" noRot="1" noChangeAspect="1"/>
+          </p:cNvSpPr>
+          <p:nvPr>
+            <p:ph type="sldImg"/>
+          </p:nvPr>
+        </p:nvSpPr>
+        <p:spPr/>
+      </p:sp>
+      <p:sp>
+        <p:nvSpPr>
+          <p:cNvPr id="3" name="备注占位符 2"/>
+          <p:cNvSpPr>
+            <a:spLocks noGrp="1"/>
+          </p:cNvSpPr>
+          <p:nvPr>
+            <p:ph type="body" idx="1"/>
+          </p:nvPr>
+        </p:nvSpPr>
+        <p:spPr/>
+        <p:txBody>
+          <a:bodyPr/>
+          <a:lstStyle/>
+          <a:p>
+            <a:endParaRPr lang="zh-CN" altLang="en-US" dirty="0"/>
+          </a:p>
+        </p:txBody>
+      </p:sp>
+      <p:sp>
+        <p:nvSpPr>
+          <p:cNvPr id="4" name="灯片编号占位符 3"/>
+          <p:cNvSpPr>
+            <a:spLocks noGrp="1"/>
+          </p:cNvSpPr>
+          <p:nvPr>
+            <p:ph type="sldNum" sz="quarter" idx="10"/>
+          </p:nvPr>
+        </p:nvSpPr>
+        <p:spPr/>
+        <p:txBody>
+          <a:bodyPr/>
+          <a:lstStyle/>
+          <a:p>
+            <a:fld id="{31973253-BA6C-4451-8732-0BB0A106BD4D}" type="slidenum">
+              <a:rPr lang="zh-CN" altLang="en-US" smtClean="0"/>
+              <a:t>7</a:t>
+            </a:fld>
+            <a:endParaRPr lang="zh-CN" altLang="en-US"/>
+          </a:p>
+        </p:txBody>
+      </p:sp>
+    </p:spTree>
+    <p:extLst>
+      <p:ext uri="{BB962C8B-B14F-4D97-AF65-F5344CB8AC3E}">
+        <p14:creationId xmlns:p14="http://schemas.microsoft.com/office/powerpoint/2010/main" val="4036064762"/>
+      </p:ext>
+    </p:extLst>
+  </p:cSld>
+  <p:clrMapOvr>
+    <a:masterClrMapping/>
+  </p:clrMapOvr>
+</p:notes>
+</file>
+
+<file path=ppt/notesSlides/notesSlide2.xml><?xml version="1.0" encoding="utf-8"?>
+<p:notes xmlns:a="http://schemas.openxmlformats.org/drawingml/2006/main" xmlns:r="http://schemas.openxmlformats.org/officeDocument/2006/relationships" xmlns:p="http://schemas.openxmlformats.org/presentationml/2006/main">
+  <p:cSld>
+    <p:spTree>
+      <p:nvGrpSpPr>
+        <p:cNvPr id="1" name=""/>
+        <p:cNvGrpSpPr/>
+        <p:nvPr/>
+      </p:nvGrpSpPr>
+      <p:grpSpPr>
+        <a:xfrm>
+          <a:off x="0" y="0"/>
+          <a:ext cx="0" cy="0"/>
+          <a:chOff x="0" y="0"/>
+          <a:chExt cx="0" cy="0"/>
+        </a:xfrm>
+      </p:grpSpPr>
+      <p:sp>
+        <p:nvSpPr>
+          <p:cNvPr id="2" name="幻灯片图像占位符 1"/>
+          <p:cNvSpPr>
+            <a:spLocks noGrp="1" noRot="1" noChangeAspect="1"/>
+          </p:cNvSpPr>
+          <p:nvPr>
+            <p:ph type="sldImg"/>
+          </p:nvPr>
+        </p:nvSpPr>
+        <p:spPr/>
+      </p:sp>
+      <p:sp>
+        <p:nvSpPr>
+          <p:cNvPr id="3" name="备注占位符 2"/>
+          <p:cNvSpPr>
+            <a:spLocks noGrp="1"/>
+          </p:cNvSpPr>
+          <p:nvPr>
+            <p:ph type="body" idx="1"/>
+          </p:nvPr>
+        </p:nvSpPr>
+        <p:spPr/>
+        <p:txBody>
+          <a:bodyPr/>
+          <a:lstStyle/>
+          <a:p>
+            <a:endParaRPr lang="zh-CN" altLang="en-US" dirty="0"/>
+          </a:p>
+        </p:txBody>
+      </p:sp>
+      <p:sp>
+        <p:nvSpPr>
+          <p:cNvPr id="4" name="灯片编号占位符 3"/>
+          <p:cNvSpPr>
+            <a:spLocks noGrp="1"/>
+          </p:cNvSpPr>
+          <p:nvPr>
+            <p:ph type="sldNum" sz="quarter" idx="10"/>
+          </p:nvPr>
+        </p:nvSpPr>
+        <p:spPr/>
+        <p:txBody>
+          <a:bodyPr/>
+          <a:lstStyle/>
+          <a:p>
+            <a:fld id="{31973253-BA6C-4451-8732-0BB0A106BD4D}" type="slidenum">
+              <a:rPr lang="zh-CN" altLang="en-US" smtClean="0"/>
+              <a:t>9</a:t>
+            </a:fld>
+            <a:endParaRPr lang="zh-CN" altLang="en-US"/>
+          </a:p>
+        </p:txBody>
+      </p:sp>
+    </p:spTree>
+    <p:extLst>
+      <p:ext uri="{BB962C8B-B14F-4D97-AF65-F5344CB8AC3E}">
+        <p14:creationId xmlns:p14="http://schemas.microsoft.com/office/powerpoint/2010/main" val="1927252675"/>
+      </p:ext>
+    </p:extLst>
+  </p:cSld>
+  <p:clrMapOvr>
+    <a:masterClrMapping/>
+  </p:clrMapOvr>
+</p:notes>
+</file>
+
 <file path=ppt/slideLayouts/slideLayout1.xml><?xml version="1.0" encoding="utf-8"?>
 <p:sldLayout xmlns:a="http://schemas.openxmlformats.org/drawingml/2006/main" xmlns:r="http://schemas.openxmlformats.org/officeDocument/2006/relationships" xmlns:p="http://schemas.openxmlformats.org/presentationml/2006/main" type="title" preserve="1">
   <p:cSld name="标题幻灯片">
@@ -247,7 +774,7 @@
           <a:p>
             <a:fld id="{4B68B757-0792-4386-8C0E-4B758C80DB18}" type="datetimeFigureOut">
               <a:rPr lang="zh-CN" altLang="en-US" smtClean="0"/>
-              <a:t>2018/5/17</a:t>
+              <a:t>2018/5/18</a:t>
             </a:fld>
             <a:endParaRPr lang="zh-CN" altLang="en-US"/>
           </a:p>
@@ -298,7 +825,7 @@
     </p:spTree>
     <p:extLst>
       <p:ext uri="{BB962C8B-B14F-4D97-AF65-F5344CB8AC3E}">
-        <p14:creationId xmlns:p14="http://schemas.microsoft.com/office/powerpoint/2010/main" val="3947445619"/>
+        <p14:creationId xmlns:p14="http://schemas.microsoft.com/office/powerpoint/2010/main" val="1283766620"/>
       </p:ext>
     </p:extLst>
   </p:cSld>
@@ -417,7 +944,7 @@
           <a:p>
             <a:fld id="{4B68B757-0792-4386-8C0E-4B758C80DB18}" type="datetimeFigureOut">
               <a:rPr lang="zh-CN" altLang="en-US" smtClean="0"/>
-              <a:t>2018/5/17</a:t>
+              <a:t>2018/5/18</a:t>
             </a:fld>
             <a:endParaRPr lang="zh-CN" altLang="en-US"/>
           </a:p>
@@ -468,7 +995,7 @@
     </p:spTree>
     <p:extLst>
       <p:ext uri="{BB962C8B-B14F-4D97-AF65-F5344CB8AC3E}">
-        <p14:creationId xmlns:p14="http://schemas.microsoft.com/office/powerpoint/2010/main" val="1012226802"/>
+        <p14:creationId xmlns:p14="http://schemas.microsoft.com/office/powerpoint/2010/main" val="2904061894"/>
       </p:ext>
     </p:extLst>
   </p:cSld>
@@ -597,7 +1124,7 @@
           <a:p>
             <a:fld id="{4B68B757-0792-4386-8C0E-4B758C80DB18}" type="datetimeFigureOut">
               <a:rPr lang="zh-CN" altLang="en-US" smtClean="0"/>
-              <a:t>2018/5/17</a:t>
+              <a:t>2018/5/18</a:t>
             </a:fld>
             <a:endParaRPr lang="zh-CN" altLang="en-US"/>
           </a:p>
@@ -648,7 +1175,7 @@
     </p:spTree>
     <p:extLst>
       <p:ext uri="{BB962C8B-B14F-4D97-AF65-F5344CB8AC3E}">
-        <p14:creationId xmlns:p14="http://schemas.microsoft.com/office/powerpoint/2010/main" val="3630790050"/>
+        <p14:creationId xmlns:p14="http://schemas.microsoft.com/office/powerpoint/2010/main" val="3416717370"/>
       </p:ext>
     </p:extLst>
   </p:cSld>
@@ -767,7 +1294,7 @@
           <a:p>
             <a:fld id="{4B68B757-0792-4386-8C0E-4B758C80DB18}" type="datetimeFigureOut">
               <a:rPr lang="zh-CN" altLang="en-US" smtClean="0"/>
-              <a:t>2018/5/17</a:t>
+              <a:t>2018/5/18</a:t>
             </a:fld>
             <a:endParaRPr lang="zh-CN" altLang="en-US"/>
           </a:p>
@@ -818,7 +1345,7 @@
     </p:spTree>
     <p:extLst>
       <p:ext uri="{BB962C8B-B14F-4D97-AF65-F5344CB8AC3E}">
-        <p14:creationId xmlns:p14="http://schemas.microsoft.com/office/powerpoint/2010/main" val="3976958784"/>
+        <p14:creationId xmlns:p14="http://schemas.microsoft.com/office/powerpoint/2010/main" val="163159963"/>
       </p:ext>
     </p:extLst>
   </p:cSld>
@@ -1013,7 +1540,7 @@
           <a:p>
             <a:fld id="{4B68B757-0792-4386-8C0E-4B758C80DB18}" type="datetimeFigureOut">
               <a:rPr lang="zh-CN" altLang="en-US" smtClean="0"/>
-              <a:t>2018/5/17</a:t>
+              <a:t>2018/5/18</a:t>
             </a:fld>
             <a:endParaRPr lang="zh-CN" altLang="en-US"/>
           </a:p>
@@ -1064,7 +1591,7 @@
     </p:spTree>
     <p:extLst>
       <p:ext uri="{BB962C8B-B14F-4D97-AF65-F5344CB8AC3E}">
-        <p14:creationId xmlns:p14="http://schemas.microsoft.com/office/powerpoint/2010/main" val="3537394540"/>
+        <p14:creationId xmlns:p14="http://schemas.microsoft.com/office/powerpoint/2010/main" val="845568357"/>
       </p:ext>
     </p:extLst>
   </p:cSld>
@@ -1245,7 +1772,7 @@
           <a:p>
             <a:fld id="{4B68B757-0792-4386-8C0E-4B758C80DB18}" type="datetimeFigureOut">
               <a:rPr lang="zh-CN" altLang="en-US" smtClean="0"/>
-              <a:t>2018/5/17</a:t>
+              <a:t>2018/5/18</a:t>
             </a:fld>
             <a:endParaRPr lang="zh-CN" altLang="en-US"/>
           </a:p>
@@ -1296,7 +1823,7 @@
     </p:spTree>
     <p:extLst>
       <p:ext uri="{BB962C8B-B14F-4D97-AF65-F5344CB8AC3E}">
-        <p14:creationId xmlns:p14="http://schemas.microsoft.com/office/powerpoint/2010/main" val="1732827908"/>
+        <p14:creationId xmlns:p14="http://schemas.microsoft.com/office/powerpoint/2010/main" val="1084335713"/>
       </p:ext>
     </p:extLst>
   </p:cSld>
@@ -1612,7 +2139,7 @@
           <a:p>
             <a:fld id="{4B68B757-0792-4386-8C0E-4B758C80DB18}" type="datetimeFigureOut">
               <a:rPr lang="zh-CN" altLang="en-US" smtClean="0"/>
-              <a:t>2018/5/17</a:t>
+              <a:t>2018/5/18</a:t>
             </a:fld>
             <a:endParaRPr lang="zh-CN" altLang="en-US"/>
           </a:p>
@@ -1663,7 +2190,7 @@
     </p:spTree>
     <p:extLst>
       <p:ext uri="{BB962C8B-B14F-4D97-AF65-F5344CB8AC3E}">
-        <p14:creationId xmlns:p14="http://schemas.microsoft.com/office/powerpoint/2010/main" val="2202784820"/>
+        <p14:creationId xmlns:p14="http://schemas.microsoft.com/office/powerpoint/2010/main" val="3120720417"/>
       </p:ext>
     </p:extLst>
   </p:cSld>
@@ -1730,7 +2257,7 @@
           <a:p>
             <a:fld id="{4B68B757-0792-4386-8C0E-4B758C80DB18}" type="datetimeFigureOut">
               <a:rPr lang="zh-CN" altLang="en-US" smtClean="0"/>
-              <a:t>2018/5/17</a:t>
+              <a:t>2018/5/18</a:t>
             </a:fld>
             <a:endParaRPr lang="zh-CN" altLang="en-US"/>
           </a:p>
@@ -1781,7 +2308,7 @@
     </p:spTree>
     <p:extLst>
       <p:ext uri="{BB962C8B-B14F-4D97-AF65-F5344CB8AC3E}">
-        <p14:creationId xmlns:p14="http://schemas.microsoft.com/office/powerpoint/2010/main" val="1625115837"/>
+        <p14:creationId xmlns:p14="http://schemas.microsoft.com/office/powerpoint/2010/main" val="1091589817"/>
       </p:ext>
     </p:extLst>
   </p:cSld>
@@ -1825,7 +2352,7 @@
           <a:p>
             <a:fld id="{4B68B757-0792-4386-8C0E-4B758C80DB18}" type="datetimeFigureOut">
               <a:rPr lang="zh-CN" altLang="en-US" smtClean="0"/>
-              <a:t>2018/5/17</a:t>
+              <a:t>2018/5/18</a:t>
             </a:fld>
             <a:endParaRPr lang="zh-CN" altLang="en-US"/>
           </a:p>
@@ -1876,7 +2403,7 @@
     </p:spTree>
     <p:extLst>
       <p:ext uri="{BB962C8B-B14F-4D97-AF65-F5344CB8AC3E}">
-        <p14:creationId xmlns:p14="http://schemas.microsoft.com/office/powerpoint/2010/main" val="3977388559"/>
+        <p14:creationId xmlns:p14="http://schemas.microsoft.com/office/powerpoint/2010/main" val="1349205082"/>
       </p:ext>
     </p:extLst>
   </p:cSld>
@@ -2102,7 +2629,7 @@
           <a:p>
             <a:fld id="{4B68B757-0792-4386-8C0E-4B758C80DB18}" type="datetimeFigureOut">
               <a:rPr lang="zh-CN" altLang="en-US" smtClean="0"/>
-              <a:t>2018/5/17</a:t>
+              <a:t>2018/5/18</a:t>
             </a:fld>
             <a:endParaRPr lang="zh-CN" altLang="en-US"/>
           </a:p>
@@ -2153,7 +2680,7 @@
     </p:spTree>
     <p:extLst>
       <p:ext uri="{BB962C8B-B14F-4D97-AF65-F5344CB8AC3E}">
-        <p14:creationId xmlns:p14="http://schemas.microsoft.com/office/powerpoint/2010/main" val="2802428828"/>
+        <p14:creationId xmlns:p14="http://schemas.microsoft.com/office/powerpoint/2010/main" val="2963737723"/>
       </p:ext>
     </p:extLst>
   </p:cSld>
@@ -2355,7 +2882,7 @@
           <a:p>
             <a:fld id="{4B68B757-0792-4386-8C0E-4B758C80DB18}" type="datetimeFigureOut">
               <a:rPr lang="zh-CN" altLang="en-US" smtClean="0"/>
-              <a:t>2018/5/17</a:t>
+              <a:t>2018/5/18</a:t>
             </a:fld>
             <a:endParaRPr lang="zh-CN" altLang="en-US"/>
           </a:p>
@@ -2406,7 +2933,7 @@
     </p:spTree>
     <p:extLst>
       <p:ext uri="{BB962C8B-B14F-4D97-AF65-F5344CB8AC3E}">
-        <p14:creationId xmlns:p14="http://schemas.microsoft.com/office/powerpoint/2010/main" val="1906994015"/>
+        <p14:creationId xmlns:p14="http://schemas.microsoft.com/office/powerpoint/2010/main" val="2756189700"/>
       </p:ext>
     </p:extLst>
   </p:cSld>
@@ -2568,7 +3095,7 @@
           <a:p>
             <a:fld id="{4B68B757-0792-4386-8C0E-4B758C80DB18}" type="datetimeFigureOut">
               <a:rPr lang="zh-CN" altLang="en-US" smtClean="0"/>
-              <a:t>2018/5/17</a:t>
+              <a:t>2018/5/18</a:t>
             </a:fld>
             <a:endParaRPr lang="zh-CN" altLang="en-US"/>
           </a:p>
@@ -2655,23 +3182,23 @@
     </p:spTree>
     <p:extLst>
       <p:ext uri="{BB962C8B-B14F-4D97-AF65-F5344CB8AC3E}">
-        <p14:creationId xmlns:p14="http://schemas.microsoft.com/office/powerpoint/2010/main" val="4130837244"/>
+        <p14:creationId xmlns:p14="http://schemas.microsoft.com/office/powerpoint/2010/main" val="3990504869"/>
       </p:ext>
     </p:extLst>
   </p:cSld>
   <p:clrMap bg1="lt1" tx1="dk1" bg2="lt2" tx2="dk2" accent1="accent1" accent2="accent2" accent3="accent3" accent4="accent4" accent5="accent5" accent6="accent6" hlink="hlink" folHlink="folHlink"/>
   <p:sldLayoutIdLst>
-    <p:sldLayoutId id="2147483649" r:id="rId1"/>
-    <p:sldLayoutId id="2147483650" r:id="rId2"/>
-    <p:sldLayoutId id="2147483651" r:id="rId3"/>
-    <p:sldLayoutId id="2147483652" r:id="rId4"/>
-    <p:sldLayoutId id="2147483653" r:id="rId5"/>
-    <p:sldLayoutId id="2147483654" r:id="rId6"/>
-    <p:sldLayoutId id="2147483655" r:id="rId7"/>
-    <p:sldLayoutId id="2147483656" r:id="rId8"/>
-    <p:sldLayoutId id="2147483657" r:id="rId9"/>
-    <p:sldLayoutId id="2147483658" r:id="rId10"/>
-    <p:sldLayoutId id="2147483659" r:id="rId11"/>
+    <p:sldLayoutId id="2147483661" r:id="rId1"/>
+    <p:sldLayoutId id="2147483662" r:id="rId2"/>
+    <p:sldLayoutId id="2147483663" r:id="rId3"/>
+    <p:sldLayoutId id="2147483664" r:id="rId4"/>
+    <p:sldLayoutId id="2147483665" r:id="rId5"/>
+    <p:sldLayoutId id="2147483666" r:id="rId6"/>
+    <p:sldLayoutId id="2147483667" r:id="rId7"/>
+    <p:sldLayoutId id="2147483668" r:id="rId8"/>
+    <p:sldLayoutId id="2147483669" r:id="rId9"/>
+    <p:sldLayoutId id="2147483670" r:id="rId10"/>
+    <p:sldLayoutId id="2147483671" r:id="rId11"/>
   </p:sldLayoutIdLst>
   <p:txStyles>
     <p:titleStyle>
@@ -3042,6 +3569,329 @@
   <p:clrMapOvr>
     <a:masterClrMapping/>
   </p:clrMapOvr>
+  <p:timing>
+    <p:tnLst>
+      <p:par>
+        <p:cTn id="1" dur="indefinite" restart="never" nodeType="tmRoot"/>
+      </p:par>
+    </p:tnLst>
+  </p:timing>
+</p:sld>
+</file>
+
+<file path=ppt/slides/slide10.xml><?xml version="1.0" encoding="utf-8"?>
+<p:sld xmlns:a="http://schemas.openxmlformats.org/drawingml/2006/main" xmlns:r="http://schemas.openxmlformats.org/officeDocument/2006/relationships" xmlns:p="http://schemas.openxmlformats.org/presentationml/2006/main">
+  <p:cSld>
+    <p:spTree>
+      <p:nvGrpSpPr>
+        <p:cNvPr id="1" name=""/>
+        <p:cNvGrpSpPr/>
+        <p:nvPr/>
+      </p:nvGrpSpPr>
+      <p:grpSpPr>
+        <a:xfrm>
+          <a:off x="0" y="0"/>
+          <a:ext cx="0" cy="0"/>
+          <a:chOff x="0" y="0"/>
+          <a:chExt cx="0" cy="0"/>
+        </a:xfrm>
+      </p:grpSpPr>
+      <p:sp>
+        <p:nvSpPr>
+          <p:cNvPr id="2" name="文本框 1"/>
+          <p:cNvSpPr txBox="1"/>
+          <p:nvPr/>
+        </p:nvSpPr>
+        <p:spPr>
+          <a:xfrm>
+            <a:off x="254000" y="698500"/>
+            <a:ext cx="11722100" cy="7109639"/>
+          </a:xfrm>
+          <a:prstGeom prst="rect">
+            <a:avLst/>
+          </a:prstGeom>
+          <a:solidFill>
+            <a:schemeClr val="accent1"/>
+          </a:solidFill>
+        </p:spPr>
+        <p:txBody>
+          <a:bodyPr wrap="square" rtlCol="0">
+            <a:spAutoFit/>
+          </a:bodyPr>
+          <a:lstStyle/>
+          <a:p>
+            <a:r>
+              <a:rPr lang="zh-CN" altLang="en-US" sz="2400" b="1" dirty="0" smtClean="0">
+                <a:latin typeface="+mn-ea"/>
+              </a:rPr>
+              <a:t>    对方正在输入接口找不到了。。</a:t>
+            </a:r>
+            <a:endParaRPr lang="en-US" altLang="zh-CN" sz="2400" b="1" dirty="0" smtClean="0">
+              <a:latin typeface="+mn-ea"/>
+            </a:endParaRPr>
+          </a:p>
+          <a:p>
+            <a:r>
+              <a:rPr lang="en-US" altLang="zh-CN" sz="2400" b="1" dirty="0">
+                <a:latin typeface="+mn-ea"/>
+              </a:rPr>
+              <a:t> </a:t>
+            </a:r>
+            <a:r>
+              <a:rPr lang="en-US" altLang="zh-CN" sz="2400" b="1" dirty="0" smtClean="0">
+                <a:latin typeface="+mn-ea"/>
+              </a:rPr>
+              <a:t>   </a:t>
+            </a:r>
+            <a:r>
+              <a:rPr lang="zh-CN" altLang="en-US" sz="2400" b="1" dirty="0" smtClean="0">
+                <a:latin typeface="+mn-ea"/>
+              </a:rPr>
+              <a:t>这个接口很能反正出设计对产品用心思考，从用户的角度出发去实现这个需求，</a:t>
+            </a:r>
+            <a:endParaRPr lang="en-US" altLang="zh-CN" sz="2400" b="1" dirty="0" smtClean="0">
+              <a:latin typeface="+mn-ea"/>
+            </a:endParaRPr>
+          </a:p>
+          <a:p>
+            <a:r>
+              <a:rPr lang="zh-CN" altLang="en-US" sz="2400" b="1" dirty="0" smtClean="0">
+                <a:latin typeface="+mn-ea"/>
+              </a:rPr>
+              <a:t>让用户在聊天当中增加一些乐趣，能知道对方是不是正在回复你</a:t>
+            </a:r>
+            <a:endParaRPr lang="en-US" altLang="zh-CN" sz="2400" b="1" dirty="0" smtClean="0">
+              <a:latin typeface="+mn-ea"/>
+            </a:endParaRPr>
+          </a:p>
+          <a:p>
+            <a:endParaRPr lang="en-US" altLang="zh-CN" sz="2400" b="1" dirty="0" smtClean="0">
+              <a:latin typeface="+mn-ea"/>
+            </a:endParaRPr>
+          </a:p>
+          <a:p>
+            <a:r>
+              <a:rPr lang="en-US" altLang="zh-CN" sz="2400" b="1" dirty="0">
+                <a:latin typeface="+mn-ea"/>
+              </a:rPr>
+              <a:t> </a:t>
+            </a:r>
+            <a:r>
+              <a:rPr lang="en-US" altLang="zh-CN" sz="2400" b="1" dirty="0" smtClean="0">
+                <a:latin typeface="+mn-ea"/>
+              </a:rPr>
+              <a:t>   </a:t>
+            </a:r>
+            <a:r>
+              <a:rPr lang="zh-CN" altLang="en-US" sz="2400" b="1" dirty="0" smtClean="0">
+                <a:latin typeface="+mn-ea"/>
+              </a:rPr>
+              <a:t>除了这些，大家也可以利用公众号去写一些文章、分享一些学习技术、娱乐相关的内容进行互动，也可以当成一个网上记事本来记录一些东西，当成博客来用。</a:t>
+            </a:r>
+            <a:endParaRPr lang="en-US" altLang="zh-CN" sz="2400" b="1" dirty="0" smtClean="0">
+              <a:latin typeface="+mn-ea"/>
+            </a:endParaRPr>
+          </a:p>
+          <a:p>
+            <a:endParaRPr lang="en-US" altLang="zh-CN" sz="2400" b="1" dirty="0">
+              <a:latin typeface="+mn-ea"/>
+            </a:endParaRPr>
+          </a:p>
+          <a:p>
+            <a:endParaRPr lang="en-US" altLang="zh-CN" sz="2400" b="1" dirty="0" smtClean="0">
+              <a:latin typeface="+mn-ea"/>
+            </a:endParaRPr>
+          </a:p>
+          <a:p>
+            <a:endParaRPr lang="en-US" altLang="zh-CN" sz="2400" b="1" dirty="0">
+              <a:latin typeface="+mn-ea"/>
+            </a:endParaRPr>
+          </a:p>
+          <a:p>
+            <a:endParaRPr lang="en-US" altLang="zh-CN" sz="2400" b="1" dirty="0" smtClean="0">
+              <a:latin typeface="+mn-ea"/>
+            </a:endParaRPr>
+          </a:p>
+          <a:p>
+            <a:endParaRPr lang="en-US" altLang="zh-CN" sz="2400" b="1" dirty="0">
+              <a:latin typeface="+mn-ea"/>
+            </a:endParaRPr>
+          </a:p>
+          <a:p>
+            <a:endParaRPr lang="en-US" altLang="zh-CN" sz="2400" b="1" dirty="0" smtClean="0">
+              <a:latin typeface="+mn-ea"/>
+            </a:endParaRPr>
+          </a:p>
+          <a:p>
+            <a:endParaRPr lang="en-US" altLang="zh-CN" sz="2400" b="1" dirty="0">
+              <a:latin typeface="+mn-ea"/>
+            </a:endParaRPr>
+          </a:p>
+          <a:p>
+            <a:endParaRPr lang="en-US" altLang="zh-CN" sz="2400" b="1" dirty="0" smtClean="0">
+              <a:latin typeface="+mn-ea"/>
+            </a:endParaRPr>
+          </a:p>
+          <a:p>
+            <a:endParaRPr lang="en-US" altLang="zh-CN" sz="2400" b="1" dirty="0">
+              <a:latin typeface="+mn-ea"/>
+            </a:endParaRPr>
+          </a:p>
+          <a:p>
+            <a:endParaRPr lang="en-US" altLang="zh-CN" sz="2400" b="1" dirty="0" smtClean="0">
+              <a:latin typeface="+mn-ea"/>
+            </a:endParaRPr>
+          </a:p>
+          <a:p>
+            <a:endParaRPr lang="en-US" altLang="zh-CN" sz="2400" b="1" dirty="0">
+              <a:latin typeface="+mn-ea"/>
+            </a:endParaRPr>
+          </a:p>
+          <a:p>
+            <a:endParaRPr lang="en-US" altLang="zh-CN" sz="2400" b="1" dirty="0" smtClean="0">
+              <a:latin typeface="+mn-ea"/>
+            </a:endParaRPr>
+          </a:p>
+          <a:p>
+            <a:endParaRPr lang="zh-CN" altLang="en-US" sz="2400" b="1" dirty="0">
+              <a:latin typeface="+mn-ea"/>
+            </a:endParaRPr>
+          </a:p>
+        </p:txBody>
+      </p:sp>
+    </p:spTree>
+    <p:extLst>
+      <p:ext uri="{BB962C8B-B14F-4D97-AF65-F5344CB8AC3E}">
+        <p14:creationId xmlns:p14="http://schemas.microsoft.com/office/powerpoint/2010/main" val="365272437"/>
+      </p:ext>
+    </p:extLst>
+  </p:cSld>
+  <p:clrMapOvr>
+    <a:masterClrMapping/>
+  </p:clrMapOvr>
+  <p:timing>
+    <p:tnLst>
+      <p:par>
+        <p:cTn id="1" dur="indefinite" restart="never" nodeType="tmRoot"/>
+      </p:par>
+    </p:tnLst>
+  </p:timing>
+</p:sld>
+</file>
+
+<file path=ppt/slides/slide11.xml><?xml version="1.0" encoding="utf-8"?>
+<p:sld xmlns:a="http://schemas.openxmlformats.org/drawingml/2006/main" xmlns:r="http://schemas.openxmlformats.org/officeDocument/2006/relationships" xmlns:p="http://schemas.openxmlformats.org/presentationml/2006/main">
+  <p:cSld>
+    <p:spTree>
+      <p:nvGrpSpPr>
+        <p:cNvPr id="1" name=""/>
+        <p:cNvGrpSpPr/>
+        <p:nvPr/>
+      </p:nvGrpSpPr>
+      <p:grpSpPr>
+        <a:xfrm>
+          <a:off x="0" y="0"/>
+          <a:ext cx="0" cy="0"/>
+          <a:chOff x="0" y="0"/>
+          <a:chExt cx="0" cy="0"/>
+        </a:xfrm>
+      </p:grpSpPr>
+      <p:sp>
+        <p:nvSpPr>
+          <p:cNvPr id="2" name="文本框 1"/>
+          <p:cNvSpPr txBox="1"/>
+          <p:nvPr/>
+        </p:nvSpPr>
+        <p:spPr>
+          <a:xfrm>
+            <a:off x="1092200" y="419100"/>
+            <a:ext cx="9220200" cy="6186309"/>
+          </a:xfrm>
+          <a:prstGeom prst="rect">
+            <a:avLst/>
+          </a:prstGeom>
+          <a:solidFill>
+            <a:schemeClr val="accent1"/>
+          </a:solidFill>
+        </p:spPr>
+        <p:txBody>
+          <a:bodyPr wrap="square" rtlCol="0">
+            <a:spAutoFit/>
+          </a:bodyPr>
+          <a:lstStyle/>
+          <a:p>
+            <a:r>
+              <a:rPr lang="en-US" altLang="zh-CN" sz="6600" b="1" dirty="0" smtClean="0">
+                <a:latin typeface="+mn-ea"/>
+              </a:rPr>
+              <a:t>			</a:t>
+            </a:r>
+          </a:p>
+          <a:p>
+            <a:endParaRPr lang="en-US" altLang="zh-CN" sz="6600" b="1" dirty="0">
+              <a:latin typeface="+mn-ea"/>
+            </a:endParaRPr>
+          </a:p>
+          <a:p>
+            <a:r>
+              <a:rPr lang="en-US" altLang="zh-CN" sz="6600" b="1" dirty="0">
+                <a:latin typeface="+mn-ea"/>
+              </a:rPr>
+              <a:t> </a:t>
+            </a:r>
+            <a:r>
+              <a:rPr lang="en-US" altLang="zh-CN" sz="6600" b="1" dirty="0" smtClean="0">
+                <a:latin typeface="+mn-ea"/>
+              </a:rPr>
+              <a:t>       </a:t>
+            </a:r>
+            <a:r>
+              <a:rPr lang="zh-CN" altLang="en-US" sz="6600" b="1" dirty="0" smtClean="0">
+                <a:latin typeface="+mn-ea"/>
+              </a:rPr>
+              <a:t>谢谢</a:t>
+            </a:r>
+            <a:r>
+              <a:rPr lang="en-US" altLang="zh-CN" sz="6600" b="1" dirty="0" smtClean="0">
+                <a:latin typeface="+mn-ea"/>
+              </a:rPr>
+              <a:t>~</a:t>
+            </a:r>
+          </a:p>
+          <a:p>
+            <a:endParaRPr lang="en-US" altLang="zh-CN" sz="6600" b="1" dirty="0">
+              <a:latin typeface="+mn-ea"/>
+            </a:endParaRPr>
+          </a:p>
+          <a:p>
+            <a:endParaRPr lang="en-US" altLang="zh-CN" sz="6600" b="1" dirty="0" smtClean="0">
+              <a:latin typeface="+mn-ea"/>
+            </a:endParaRPr>
+          </a:p>
+          <a:p>
+            <a:endParaRPr lang="zh-CN" altLang="en-US" sz="6600" b="1" dirty="0">
+              <a:latin typeface="+mn-ea"/>
+            </a:endParaRPr>
+          </a:p>
+        </p:txBody>
+      </p:sp>
+    </p:spTree>
+    <p:extLst>
+      <p:ext uri="{BB962C8B-B14F-4D97-AF65-F5344CB8AC3E}">
+        <p14:creationId xmlns:p14="http://schemas.microsoft.com/office/powerpoint/2010/main" val="185981253"/>
+      </p:ext>
+    </p:extLst>
+  </p:cSld>
+  <p:clrMapOvr>
+    <a:masterClrMapping/>
+  </p:clrMapOvr>
+  <p:timing>
+    <p:tnLst>
+      <p:par>
+        <p:cTn id="1" dur="indefinite" restart="never" nodeType="tmRoot"/>
+      </p:par>
+    </p:tnLst>
+  </p:timing>
 </p:sld>
 </file>
 
@@ -3108,6 +3958,13 @@
   <p:clrMapOvr>
     <a:masterClrMapping/>
   </p:clrMapOvr>
+  <p:timing>
+    <p:tnLst>
+      <p:par>
+        <p:cTn id="1" dur="indefinite" restart="never" nodeType="tmRoot"/>
+      </p:par>
+    </p:tnLst>
+  </p:timing>
 </p:sld>
 </file>
 
@@ -3330,6 +4187,13 @@
   <p:clrMapOvr>
     <a:masterClrMapping/>
   </p:clrMapOvr>
+  <p:timing>
+    <p:tnLst>
+      <p:par>
+        <p:cTn id="1" dur="indefinite" restart="never" nodeType="tmRoot"/>
+      </p:par>
+    </p:tnLst>
+  </p:timing>
 </p:sld>
 </file>
 
@@ -3414,6 +4278,13 @@
   <p:clrMapOvr>
     <a:masterClrMapping/>
   </p:clrMapOvr>
+  <p:timing>
+    <p:tnLst>
+      <p:par>
+        <p:cTn id="1" dur="indefinite" restart="never" nodeType="tmRoot"/>
+      </p:par>
+    </p:tnLst>
+  </p:timing>
 </p:sld>
 </file>
 
@@ -3442,8 +4313,8 @@
         </p:nvSpPr>
         <p:spPr>
           <a:xfrm>
-            <a:off x="673768" y="240632"/>
-            <a:ext cx="10058399" cy="4524315"/>
+            <a:off x="0" y="838200"/>
+            <a:ext cx="12103100" cy="5262979"/>
           </a:xfrm>
           <a:prstGeom prst="rect">
             <a:avLst/>
@@ -3459,6 +4330,186 @@
           <a:lstStyle/>
           <a:p>
             <a:r>
+              <a:rPr lang="zh-CN" altLang="en-US" sz="2400" b="1" dirty="0" smtClean="0">
+                <a:latin typeface="+mn-ea"/>
+              </a:rPr>
+              <a:t>公众号对</a:t>
+            </a:r>
+            <a:r>
+              <a:rPr lang="zh-CN" altLang="en-US" sz="2400" b="1" dirty="0">
+                <a:latin typeface="+mn-ea"/>
+              </a:rPr>
+              <a:t>开发</a:t>
+            </a:r>
+            <a:r>
+              <a:rPr lang="zh-CN" altLang="en-US" sz="2400" b="1" dirty="0" smtClean="0">
+                <a:latin typeface="+mn-ea"/>
+              </a:rPr>
+              <a:t>者的用途：</a:t>
+            </a:r>
+            <a:endParaRPr lang="en-US" altLang="zh-CN" sz="2400" b="1" dirty="0" smtClean="0">
+              <a:latin typeface="+mn-ea"/>
+            </a:endParaRPr>
+          </a:p>
+          <a:p>
+            <a:r>
+              <a:rPr lang="en-US" altLang="zh-CN" sz="2400" b="1" dirty="0" smtClean="0">
+                <a:latin typeface="+mn-ea"/>
+              </a:rPr>
+              <a:t>	</a:t>
+            </a:r>
+            <a:r>
+              <a:rPr lang="zh-CN" altLang="en-US" sz="2400" b="1" dirty="0" smtClean="0">
+                <a:latin typeface="+mn-ea"/>
+              </a:rPr>
+              <a:t>每个公司的项目产品都有线上预警系统，线上出现故障会马上发送给相关的人员，常用的发送工具有邮件、手机短信、企业微信群等等，每个都有自己的优点，当然也会存在一些问题。</a:t>
+            </a:r>
+            <a:endParaRPr lang="en-US" altLang="zh-CN" sz="2400" b="1" dirty="0" smtClean="0">
+              <a:latin typeface="+mn-ea"/>
+            </a:endParaRPr>
+          </a:p>
+          <a:p>
+            <a:r>
+              <a:rPr lang="en-US" altLang="zh-CN" sz="2400" b="1" dirty="0" smtClean="0">
+                <a:latin typeface="+mn-ea"/>
+              </a:rPr>
+              <a:t>	</a:t>
+            </a:r>
+            <a:r>
+              <a:rPr lang="zh-CN" altLang="en-US" sz="2400" b="1" dirty="0" smtClean="0">
+                <a:latin typeface="+mn-ea"/>
+              </a:rPr>
+              <a:t>邮件：响应不及时，通知给运维和研发人员可能会存在延迟，需要项目中增加发送邮件的功能，整体感觉比较笨重。每个人的习惯不同， 不会每天都去打开手机邮箱去看，不是很方便；</a:t>
+            </a:r>
+            <a:endParaRPr lang="en-US" altLang="zh-CN" sz="2400" b="1" dirty="0" smtClean="0">
+              <a:latin typeface="+mn-ea"/>
+            </a:endParaRPr>
+          </a:p>
+          <a:p>
+            <a:r>
+              <a:rPr lang="en-US" altLang="zh-CN" sz="2400" b="1" dirty="0" smtClean="0">
+                <a:latin typeface="+mn-ea"/>
+              </a:rPr>
+              <a:t>	</a:t>
+            </a:r>
+            <a:r>
+              <a:rPr lang="zh-CN" altLang="en-US" sz="2400" b="1" dirty="0" smtClean="0">
+                <a:latin typeface="+mn-ea"/>
+              </a:rPr>
+              <a:t>短信：响应快，发送的消息比较少，只能初步判断是哪里出现的问题，具体错误还需要看线上日志查询。成本比较高，每条都会产生费用，对小的公司来讲不太适合；</a:t>
+            </a:r>
+            <a:endParaRPr lang="en-US" altLang="zh-CN" sz="2400" b="1" dirty="0" smtClean="0">
+              <a:latin typeface="+mn-ea"/>
+            </a:endParaRPr>
+          </a:p>
+          <a:p>
+            <a:r>
+              <a:rPr lang="en-US" altLang="zh-CN" sz="2400" b="1" dirty="0" smtClean="0">
+                <a:latin typeface="+mn-ea"/>
+              </a:rPr>
+              <a:t>	</a:t>
+            </a:r>
+            <a:r>
+              <a:rPr lang="zh-CN" altLang="en-US" sz="2400" b="1" dirty="0" smtClean="0">
+                <a:latin typeface="+mn-ea"/>
+              </a:rPr>
+              <a:t>企业微信：目前有些公司在用，响应快，快速定位问题，不过普及范围还比较小；</a:t>
+            </a:r>
+            <a:endParaRPr lang="en-US" altLang="zh-CN" sz="2400" b="1" dirty="0" smtClean="0">
+              <a:latin typeface="+mn-ea"/>
+            </a:endParaRPr>
+          </a:p>
+          <a:p>
+            <a:r>
+              <a:rPr lang="en-US" altLang="zh-CN" sz="2400" b="1" dirty="0" smtClean="0">
+                <a:latin typeface="+mn-ea"/>
+              </a:rPr>
+              <a:t>	</a:t>
+            </a:r>
+            <a:r>
+              <a:rPr lang="zh-CN" altLang="en-US" sz="2400" b="1" dirty="0" smtClean="0">
+                <a:latin typeface="+mn-ea"/>
+              </a:rPr>
+              <a:t>开发者利用微信公众微信公众号也可以进行线上错误消息预警，响应及时，每个人都可以关注，可以精确定位错误发生的地方，不用再查询线上日志。</a:t>
+            </a:r>
+            <a:endParaRPr lang="en-US" altLang="zh-CN" sz="2400" b="1" dirty="0" smtClean="0">
+              <a:latin typeface="+mn-ea"/>
+            </a:endParaRPr>
+          </a:p>
+          <a:p>
+            <a:endParaRPr lang="en-US" altLang="zh-CN" sz="2400" b="1" dirty="0" smtClean="0">
+              <a:latin typeface="+mn-ea"/>
+            </a:endParaRPr>
+          </a:p>
+          <a:p>
+            <a:endParaRPr lang="zh-CN" altLang="en-US" sz="2400" b="1" dirty="0">
+              <a:latin typeface="+mn-ea"/>
+            </a:endParaRPr>
+          </a:p>
+        </p:txBody>
+      </p:sp>
+    </p:spTree>
+    <p:extLst>
+      <p:ext uri="{BB962C8B-B14F-4D97-AF65-F5344CB8AC3E}">
+        <p14:creationId xmlns:p14="http://schemas.microsoft.com/office/powerpoint/2010/main" val="3646620219"/>
+      </p:ext>
+    </p:extLst>
+  </p:cSld>
+  <p:clrMapOvr>
+    <a:masterClrMapping/>
+  </p:clrMapOvr>
+  <p:timing>
+    <p:tnLst>
+      <p:par>
+        <p:cTn id="1" dur="indefinite" restart="never" nodeType="tmRoot"/>
+      </p:par>
+    </p:tnLst>
+  </p:timing>
+</p:sld>
+</file>
+
+<file path=ppt/slides/slide6.xml><?xml version="1.0" encoding="utf-8"?>
+<p:sld xmlns:a="http://schemas.openxmlformats.org/drawingml/2006/main" xmlns:r="http://schemas.openxmlformats.org/officeDocument/2006/relationships" xmlns:p="http://schemas.openxmlformats.org/presentationml/2006/main">
+  <p:cSld>
+    <p:spTree>
+      <p:nvGrpSpPr>
+        <p:cNvPr id="1" name=""/>
+        <p:cNvGrpSpPr/>
+        <p:nvPr/>
+      </p:nvGrpSpPr>
+      <p:grpSpPr>
+        <a:xfrm>
+          <a:off x="0" y="0"/>
+          <a:ext cx="0" cy="0"/>
+          <a:chOff x="0" y="0"/>
+          <a:chExt cx="0" cy="0"/>
+        </a:xfrm>
+      </p:grpSpPr>
+      <p:sp>
+        <p:nvSpPr>
+          <p:cNvPr id="2" name="文本框 1"/>
+          <p:cNvSpPr txBox="1"/>
+          <p:nvPr/>
+        </p:nvSpPr>
+        <p:spPr>
+          <a:xfrm>
+            <a:off x="673768" y="240632"/>
+            <a:ext cx="10058399" cy="5509200"/>
+          </a:xfrm>
+          <a:prstGeom prst="rect">
+            <a:avLst/>
+          </a:prstGeom>
+          <a:solidFill>
+            <a:schemeClr val="accent1"/>
+          </a:solidFill>
+        </p:spPr>
+        <p:txBody>
+          <a:bodyPr wrap="square" rtlCol="0">
+            <a:spAutoFit/>
+          </a:bodyPr>
+          <a:lstStyle/>
+          <a:p>
+            <a:r>
               <a:rPr lang="zh-CN" altLang="en-US" sz="3200" dirty="0" smtClean="0"/>
               <a:t>自己创建一个公众号（订阅号）</a:t>
             </a:r>
@@ -3468,7 +4519,19 @@
             </a:r>
             <a:r>
               <a:rPr lang="zh-CN" altLang="en-US" sz="3200" dirty="0" smtClean="0"/>
-              <a:t>，发现只能普通的发文章和图片，不能进行开发，个体用户不能进行认证，没有</a:t>
+              <a:t>，创建比较简单，按照提示点下一步就可以了，然后创建成功后发现</a:t>
+            </a:r>
+            <a:r>
+              <a:rPr lang="zh-CN" altLang="en-US" sz="3200" dirty="0" smtClean="0"/>
+              <a:t>只能普通的发文章和图片，不能进行开发</a:t>
+            </a:r>
+            <a:r>
+              <a:rPr lang="zh-CN" altLang="en-US" sz="3200" dirty="0" smtClean="0"/>
+              <a:t>，原因是个体</a:t>
+            </a:r>
+            <a:r>
+              <a:rPr lang="zh-CN" altLang="en-US" sz="3200" dirty="0" smtClean="0"/>
+              <a:t>用户不能进行认证，没有</a:t>
             </a:r>
             <a:r>
               <a:rPr lang="en-US" altLang="zh-CN" sz="3200" dirty="0" err="1" smtClean="0"/>
@@ -3484,7 +4547,15 @@
             </a:r>
             <a:r>
               <a:rPr lang="zh-CN" altLang="en-US" sz="3200" dirty="0" smtClean="0"/>
-              <a:t>（公众号唯一标识），注册公众号还需要提供企事业组织机构号、运营证明、企事证书等等，非常麻烦。还好微信提供了一个测试帐号入口：</a:t>
+              <a:t>（公众号唯一标识</a:t>
+            </a:r>
+            <a:r>
+              <a:rPr lang="zh-CN" altLang="en-US" sz="3200" dirty="0" smtClean="0"/>
+              <a:t>）。如果要注册</a:t>
+            </a:r>
+            <a:r>
+              <a:rPr lang="zh-CN" altLang="en-US" sz="3200" dirty="0" smtClean="0"/>
+              <a:t>公众号还需要提供企事业组织机构号、运营证明、企事证书等等，非常麻烦。还好微信提供了一个测试帐号入口：</a:t>
             </a:r>
             <a:r>
               <a:rPr lang="en-US" altLang="zh-CN" sz="3200" dirty="0">
@@ -3516,6 +4587,2357 @@
   <p:clrMapOvr>
     <a:masterClrMapping/>
   </p:clrMapOvr>
+  <p:timing>
+    <p:tnLst>
+      <p:par>
+        <p:cTn id="1" dur="indefinite" restart="never" nodeType="tmRoot"/>
+      </p:par>
+    </p:tnLst>
+  </p:timing>
+</p:sld>
+</file>
+
+<file path=ppt/slides/slide7.xml><?xml version="1.0" encoding="utf-8"?>
+<p:sld xmlns:a="http://schemas.openxmlformats.org/drawingml/2006/main" xmlns:r="http://schemas.openxmlformats.org/officeDocument/2006/relationships" xmlns:p="http://schemas.openxmlformats.org/presentationml/2006/main">
+  <p:cSld>
+    <p:spTree>
+      <p:nvGrpSpPr>
+        <p:cNvPr id="1" name=""/>
+        <p:cNvGrpSpPr/>
+        <p:nvPr/>
+      </p:nvGrpSpPr>
+      <p:grpSpPr>
+        <a:xfrm>
+          <a:off x="0" y="0"/>
+          <a:ext cx="0" cy="0"/>
+          <a:chOff x="0" y="0"/>
+          <a:chExt cx="0" cy="0"/>
+        </a:xfrm>
+      </p:grpSpPr>
+      <p:sp>
+        <p:nvSpPr>
+          <p:cNvPr id="2" name="文本框 1"/>
+          <p:cNvSpPr txBox="1"/>
+          <p:nvPr/>
+        </p:nvSpPr>
+        <p:spPr>
+          <a:xfrm>
+            <a:off x="235527" y="1308266"/>
+            <a:ext cx="11513126" cy="3539430"/>
+          </a:xfrm>
+          <a:prstGeom prst="rect">
+            <a:avLst/>
+          </a:prstGeom>
+          <a:solidFill>
+            <a:schemeClr val="accent1"/>
+          </a:solidFill>
+        </p:spPr>
+        <p:txBody>
+          <a:bodyPr wrap="square" rtlCol="0">
+            <a:spAutoFit/>
+          </a:bodyPr>
+          <a:lstStyle/>
+          <a:p>
+            <a:r>
+              <a:rPr lang="en-US" altLang="zh-CN" sz="3200" b="1" dirty="0"/>
+              <a:t>	</a:t>
+            </a:r>
+            <a:r>
+              <a:rPr lang="zh-CN" altLang="en-US" sz="3200" b="1" dirty="0" smtClean="0"/>
+              <a:t>当前测试帐号可以使用公众平台提供的所有接口，基本上微信所有的功能都基于这些接口。</a:t>
+            </a:r>
+            <a:endParaRPr lang="en-US" altLang="zh-CN" sz="3200" b="1" dirty="0" smtClean="0"/>
+          </a:p>
+          <a:p>
+            <a:r>
+              <a:rPr lang="en-US" altLang="zh-CN" sz="3200" b="1" dirty="0" smtClean="0"/>
+              <a:t>	</a:t>
+            </a:r>
+            <a:r>
+              <a:rPr lang="zh-CN" altLang="en-US" sz="3200" b="1" dirty="0" smtClean="0"/>
+              <a:t>主要介绍几个基本接口：</a:t>
+            </a:r>
+            <a:endParaRPr lang="en-US" altLang="zh-CN" sz="3200" b="1" dirty="0" smtClean="0"/>
+          </a:p>
+          <a:p>
+            <a:r>
+              <a:rPr lang="en-US" altLang="zh-CN" sz="3200" b="1" dirty="0" smtClean="0"/>
+              <a:t>			1.</a:t>
+            </a:r>
+            <a:r>
+              <a:rPr lang="zh-CN" altLang="en-US" sz="3200" b="1" dirty="0" smtClean="0"/>
+              <a:t>发送文本消息</a:t>
+            </a:r>
+            <a:endParaRPr lang="en-US" altLang="zh-CN" sz="3200" b="1" dirty="0" smtClean="0"/>
+          </a:p>
+          <a:p>
+            <a:r>
+              <a:rPr lang="en-US" altLang="zh-CN" sz="3200" b="1" dirty="0" smtClean="0"/>
+              <a:t>                   		2.</a:t>
+            </a:r>
+            <a:r>
+              <a:rPr lang="zh-CN" altLang="en-US" sz="3200" b="1" dirty="0" smtClean="0"/>
+              <a:t>发送图片、视频（和图片基本一致）</a:t>
+            </a:r>
+            <a:endParaRPr lang="en-US" altLang="zh-CN" sz="3200" b="1" dirty="0" smtClean="0"/>
+          </a:p>
+          <a:p>
+            <a:r>
+              <a:rPr lang="en-US" altLang="zh-CN" sz="3200" b="1" dirty="0" smtClean="0"/>
+              <a:t>                   	          3.</a:t>
+            </a:r>
+            <a:r>
+              <a:rPr lang="zh-CN" altLang="en-US" sz="3200" b="1" dirty="0" smtClean="0"/>
+              <a:t>对方正在输入接口。</a:t>
+            </a:r>
+            <a:endParaRPr lang="en-US" altLang="zh-CN" sz="3200" b="1" dirty="0" smtClean="0"/>
+          </a:p>
+          <a:p>
+            <a:endParaRPr lang="en-US" altLang="zh-CN" sz="3200" b="1" dirty="0"/>
+          </a:p>
+        </p:txBody>
+      </p:sp>
+    </p:spTree>
+    <p:extLst>
+      <p:ext uri="{BB962C8B-B14F-4D97-AF65-F5344CB8AC3E}">
+        <p14:creationId xmlns:p14="http://schemas.microsoft.com/office/powerpoint/2010/main" val="2900910837"/>
+      </p:ext>
+    </p:extLst>
+  </p:cSld>
+  <p:clrMapOvr>
+    <a:masterClrMapping/>
+  </p:clrMapOvr>
+  <p:timing>
+    <p:tnLst>
+      <p:par>
+        <p:cTn id="1" dur="indefinite" restart="never" nodeType="tmRoot"/>
+      </p:par>
+    </p:tnLst>
+  </p:timing>
+</p:sld>
+</file>
+
+<file path=ppt/slides/slide8.xml><?xml version="1.0" encoding="utf-8"?>
+<p:sld xmlns:a="http://schemas.openxmlformats.org/drawingml/2006/main" xmlns:r="http://schemas.openxmlformats.org/officeDocument/2006/relationships" xmlns:p="http://schemas.openxmlformats.org/presentationml/2006/main">
+  <p:cSld>
+    <p:spTree>
+      <p:nvGrpSpPr>
+        <p:cNvPr id="1" name=""/>
+        <p:cNvGrpSpPr/>
+        <p:nvPr/>
+      </p:nvGrpSpPr>
+      <p:grpSpPr>
+        <a:xfrm>
+          <a:off x="0" y="0"/>
+          <a:ext cx="0" cy="0"/>
+          <a:chOff x="0" y="0"/>
+          <a:chExt cx="0" cy="0"/>
+        </a:xfrm>
+      </p:grpSpPr>
+      <p:sp>
+        <p:nvSpPr>
+          <p:cNvPr id="2" name="文本框 1"/>
+          <p:cNvSpPr txBox="1"/>
+          <p:nvPr/>
+        </p:nvSpPr>
+        <p:spPr>
+          <a:xfrm>
+            <a:off x="0" y="399149"/>
+            <a:ext cx="12192000" cy="10248960"/>
+          </a:xfrm>
+          <a:prstGeom prst="rect">
+            <a:avLst/>
+          </a:prstGeom>
+          <a:solidFill>
+            <a:schemeClr val="accent1"/>
+          </a:solidFill>
+        </p:spPr>
+        <p:txBody>
+          <a:bodyPr wrap="square" rtlCol="0">
+            <a:spAutoFit/>
+          </a:bodyPr>
+          <a:lstStyle/>
+          <a:p>
+            <a:r>
+              <a:rPr lang="en-US" altLang="zh-CN" sz="2000" b="1" dirty="0" smtClean="0">
+                <a:latin typeface="+mn-ea"/>
+              </a:rPr>
+              <a:t>1.</a:t>
+            </a:r>
+            <a:r>
+              <a:rPr lang="zh-CN" altLang="en-US" sz="2000" b="1" dirty="0" smtClean="0">
+                <a:latin typeface="+mn-ea"/>
+              </a:rPr>
+              <a:t>发送文本消息</a:t>
+            </a:r>
+            <a:r>
+              <a:rPr lang="en-US" altLang="zh-CN" sz="2000" b="1" dirty="0" smtClean="0">
+                <a:latin typeface="+mn-ea"/>
+              </a:rPr>
+              <a:t>-------</a:t>
+            </a:r>
+            <a:r>
+              <a:rPr lang="zh-CN" altLang="en-US" sz="2000" b="1" dirty="0" smtClean="0">
+                <a:latin typeface="+mn-ea"/>
+              </a:rPr>
+              <a:t>客服消息</a:t>
+            </a:r>
+            <a:endParaRPr lang="en-US" altLang="zh-CN" sz="2000" b="1" dirty="0" smtClean="0">
+              <a:latin typeface="+mn-ea"/>
+            </a:endParaRPr>
+          </a:p>
+          <a:p>
+            <a:r>
+              <a:rPr lang="en-US" altLang="zh-CN" sz="2000" b="1" dirty="0" smtClean="0">
+                <a:latin typeface="+mn-ea"/>
+              </a:rPr>
+              <a:t>	</a:t>
+            </a:r>
+            <a:r>
+              <a:rPr lang="zh-CN" altLang="en-US" sz="2000" b="1" dirty="0" smtClean="0">
+                <a:latin typeface="+mn-ea"/>
+              </a:rPr>
+              <a:t>接口文档地址：</a:t>
+            </a:r>
+            <a:r>
+              <a:rPr lang="en-US" altLang="zh-CN" sz="2000" b="1" dirty="0" smtClean="0">
+                <a:latin typeface="+mn-ea"/>
+              </a:rPr>
+              <a:t>	</a:t>
+            </a:r>
+            <a:r>
+              <a:rPr lang="en-US" altLang="zh-CN" sz="2000" b="1" dirty="0" smtClean="0">
+                <a:latin typeface="+mn-ea"/>
+                <a:hlinkClick r:id="rId2"/>
+              </a:rPr>
+              <a:t>https</a:t>
+            </a:r>
+            <a:r>
+              <a:rPr lang="en-US" altLang="zh-CN" sz="2000" b="1" dirty="0">
+                <a:latin typeface="+mn-ea"/>
+                <a:hlinkClick r:id="rId2"/>
+              </a:rPr>
+              <a:t>://mp.weixin.qq.com/wiki?t=resource/res_main&amp;id=mp1421140547</a:t>
+            </a:r>
+            <a:endParaRPr lang="en-US" altLang="zh-CN" sz="2000" b="1" dirty="0">
+              <a:latin typeface="+mn-ea"/>
+            </a:endParaRPr>
+          </a:p>
+          <a:p>
+            <a:r>
+              <a:rPr lang="en-US" altLang="zh-CN" sz="2000" b="1" dirty="0" smtClean="0">
+                <a:latin typeface="+mn-ea"/>
+              </a:rPr>
+              <a:t>	</a:t>
+            </a:r>
+            <a:r>
+              <a:rPr lang="zh-CN" altLang="en-US" sz="2000" b="1" dirty="0" smtClean="0">
+                <a:latin typeface="+mn-ea"/>
+              </a:rPr>
+              <a:t>我的示例：</a:t>
+            </a:r>
+            <a:r>
+              <a:rPr lang="en-US" altLang="zh-CN" sz="2000" b="1" dirty="0" smtClean="0">
+                <a:latin typeface="+mn-ea"/>
+              </a:rPr>
+              <a:t>	</a:t>
+            </a:r>
+            <a:r>
+              <a:rPr lang="en-US" altLang="zh-CN" sz="2000" b="1" dirty="0" smtClean="0">
+                <a:latin typeface="+mn-ea"/>
+                <a:hlinkClick r:id="rId3"/>
+              </a:rPr>
+              <a:t>http</a:t>
+            </a:r>
+            <a:r>
+              <a:rPr lang="en-US" altLang="zh-CN" sz="2000" b="1" dirty="0">
+                <a:latin typeface="+mn-ea"/>
+                <a:hlinkClick r:id="rId3"/>
+              </a:rPr>
+              <a:t>://</a:t>
+            </a:r>
+            <a:r>
+              <a:rPr lang="en-US" altLang="zh-CN" sz="2000" b="1" dirty="0" smtClean="0">
+                <a:latin typeface="+mn-ea"/>
+                <a:hlinkClick r:id="rId3"/>
+              </a:rPr>
+              <a:t>localhost/test/sendCustomerText?userOpenId=oJ6431M_QZNaxVPAA0ekI9rjB1u8&amp;message=hello&amp;exceptionStr=12123123131</a:t>
+            </a:r>
+            <a:endParaRPr lang="en-US" altLang="zh-CN" sz="2000" b="1" dirty="0">
+              <a:latin typeface="+mn-ea"/>
+            </a:endParaRPr>
+          </a:p>
+          <a:p>
+            <a:r>
+              <a:rPr lang="en-US" altLang="zh-CN" sz="2000" b="1" dirty="0" smtClean="0">
+                <a:latin typeface="+mn-ea"/>
+              </a:rPr>
+              <a:t>	</a:t>
+            </a:r>
+            <a:r>
+              <a:rPr lang="zh-CN" altLang="en-US" sz="2000" b="1" dirty="0" smtClean="0">
+                <a:latin typeface="+mn-ea"/>
+              </a:rPr>
+              <a:t>说明：</a:t>
+            </a:r>
+            <a:r>
+              <a:rPr lang="en-US" altLang="zh-CN" sz="2000" b="1" dirty="0" err="1" smtClean="0">
+                <a:latin typeface="+mn-ea"/>
+              </a:rPr>
+              <a:t>userOpenId</a:t>
+            </a:r>
+            <a:r>
+              <a:rPr lang="zh-CN" altLang="en-US" sz="2000" b="1" dirty="0" smtClean="0">
+                <a:latin typeface="+mn-ea"/>
+              </a:rPr>
+              <a:t>是测试帐号中的用户对应标识，是唯一的</a:t>
+            </a:r>
+            <a:endParaRPr lang="en-US" altLang="zh-CN" sz="2000" b="1" dirty="0" smtClean="0">
+              <a:latin typeface="+mn-ea"/>
+            </a:endParaRPr>
+          </a:p>
+          <a:p>
+            <a:r>
+              <a:rPr lang="en-US" altLang="zh-CN" sz="2000" b="1" dirty="0">
+                <a:latin typeface="+mn-ea"/>
+              </a:rPr>
+              <a:t> </a:t>
+            </a:r>
+            <a:r>
+              <a:rPr lang="en-US" altLang="zh-CN" sz="2000" b="1" dirty="0" smtClean="0">
+                <a:latin typeface="+mn-ea"/>
+              </a:rPr>
+              <a:t>     	      message</a:t>
+            </a:r>
+            <a:r>
+              <a:rPr lang="zh-CN" altLang="en-US" sz="2000" b="1" dirty="0" smtClean="0">
+                <a:latin typeface="+mn-ea"/>
+              </a:rPr>
+              <a:t>和</a:t>
+            </a:r>
+            <a:r>
+              <a:rPr lang="en-US" altLang="zh-CN" sz="2000" b="1" dirty="0" smtClean="0">
+                <a:latin typeface="+mn-ea"/>
+              </a:rPr>
+              <a:t>exception</a:t>
+            </a:r>
+            <a:r>
+              <a:rPr lang="zh-CN" altLang="en-US" sz="2000" b="1" dirty="0" smtClean="0">
+                <a:latin typeface="+mn-ea"/>
+              </a:rPr>
+              <a:t>是测试信息</a:t>
+            </a:r>
+            <a:endParaRPr lang="en-US" altLang="zh-CN" sz="2000" b="1" dirty="0">
+              <a:latin typeface="+mn-ea"/>
+            </a:endParaRPr>
+          </a:p>
+          <a:p>
+            <a:r>
+              <a:rPr lang="en-US" altLang="zh-CN" sz="2000" b="1" dirty="0">
+                <a:latin typeface="+mn-ea"/>
+              </a:rPr>
+              <a:t>	</a:t>
+            </a:r>
+            <a:r>
+              <a:rPr lang="zh-CN" altLang="en-US" sz="2000" b="1" dirty="0" smtClean="0">
+                <a:latin typeface="+mn-ea"/>
+              </a:rPr>
+              <a:t>内部实现逻辑：</a:t>
+            </a:r>
+            <a:endParaRPr lang="en-US" altLang="zh-CN" sz="2000" b="1" dirty="0" smtClean="0">
+              <a:latin typeface="+mn-ea"/>
+            </a:endParaRPr>
+          </a:p>
+          <a:p>
+            <a:r>
+              <a:rPr lang="en-US" altLang="zh-CN" sz="2000" b="1" dirty="0">
+                <a:latin typeface="+mn-ea"/>
+              </a:rPr>
+              <a:t> </a:t>
+            </a:r>
+            <a:r>
+              <a:rPr lang="en-US" altLang="zh-CN" sz="2000" b="1" dirty="0" smtClean="0">
+                <a:latin typeface="+mn-ea"/>
+              </a:rPr>
+              <a:t>    </a:t>
+            </a:r>
+            <a:r>
+              <a:rPr lang="zh-CN" altLang="en-US" sz="2000" b="1" dirty="0" smtClean="0">
+                <a:latin typeface="+mn-ea"/>
+              </a:rPr>
+              <a:t>（</a:t>
+            </a:r>
+            <a:r>
+              <a:rPr lang="en-US" altLang="zh-CN" sz="2000" b="1" dirty="0" smtClean="0">
+                <a:latin typeface="+mn-ea"/>
+              </a:rPr>
+              <a:t>1</a:t>
+            </a:r>
+            <a:r>
+              <a:rPr lang="zh-CN" altLang="en-US" sz="2000" b="1" dirty="0" smtClean="0">
+                <a:latin typeface="+mn-ea"/>
+              </a:rPr>
+              <a:t>）通过</a:t>
+            </a:r>
+            <a:r>
+              <a:rPr lang="en-US" altLang="zh-CN" sz="2000" b="1" dirty="0" err="1" smtClean="0">
+                <a:latin typeface="+mn-ea"/>
+              </a:rPr>
+              <a:t>appId</a:t>
+            </a:r>
+            <a:r>
+              <a:rPr lang="zh-CN" altLang="en-US" sz="2000" b="1" dirty="0" smtClean="0">
+                <a:latin typeface="+mn-ea"/>
+              </a:rPr>
+              <a:t>和</a:t>
+            </a:r>
+            <a:r>
+              <a:rPr lang="en-US" altLang="zh-CN" sz="2000" b="1" dirty="0" err="1" smtClean="0">
+                <a:latin typeface="+mn-ea"/>
+              </a:rPr>
+              <a:t>appSecert</a:t>
+            </a:r>
+            <a:r>
+              <a:rPr lang="zh-CN" altLang="en-US" sz="2000" b="1" dirty="0" smtClean="0">
+                <a:latin typeface="+mn-ea"/>
+              </a:rPr>
+              <a:t>获得</a:t>
+            </a:r>
+            <a:r>
+              <a:rPr lang="en-US" altLang="zh-CN" sz="2000" b="1" dirty="0" err="1" smtClean="0">
+                <a:latin typeface="+mn-ea"/>
+              </a:rPr>
+              <a:t>access_token</a:t>
+            </a:r>
+            <a:endParaRPr lang="en-US" altLang="zh-CN" sz="2000" b="1" dirty="0" smtClean="0">
+              <a:latin typeface="+mn-ea"/>
+            </a:endParaRPr>
+          </a:p>
+          <a:p>
+            <a:r>
+              <a:rPr lang="en-US" altLang="zh-CN" sz="2000" b="1" dirty="0">
+                <a:latin typeface="+mn-ea"/>
+              </a:rPr>
+              <a:t> </a:t>
+            </a:r>
+            <a:r>
+              <a:rPr lang="en-US" altLang="zh-CN" sz="2000" b="1" dirty="0" smtClean="0">
+                <a:latin typeface="+mn-ea"/>
+              </a:rPr>
+              <a:t>     </a:t>
+            </a:r>
+            <a:r>
+              <a:rPr lang="zh-CN" altLang="en-US" sz="2000" b="1" dirty="0" smtClean="0">
+                <a:latin typeface="+mn-ea"/>
+              </a:rPr>
+              <a:t>接口地址：</a:t>
+            </a:r>
+            <a:r>
+              <a:rPr lang="en-US" altLang="zh-CN" sz="2000" b="1" dirty="0" smtClean="0">
+                <a:solidFill>
+                  <a:srgbClr val="333333"/>
+                </a:solidFill>
+                <a:latin typeface="+mn-ea"/>
+              </a:rPr>
+              <a:t>   </a:t>
+            </a:r>
+            <a:r>
+              <a:rPr lang="zh-CN" altLang="zh-CN" sz="2000" b="1" dirty="0" smtClean="0">
+                <a:solidFill>
+                  <a:srgbClr val="333333"/>
+                </a:solidFill>
+                <a:latin typeface="+mn-ea"/>
+                <a:hlinkClick r:id="rId4"/>
+              </a:rPr>
+              <a:t>https://api.weixin.qq.com/cgibin/token?grant_type=client_credential&amp;appid=APPID&amp;secret=APPSECRET</a:t>
+            </a:r>
+            <a:endParaRPr lang="en-US" altLang="zh-CN" sz="2000" b="1" dirty="0" smtClean="0">
+              <a:solidFill>
+                <a:srgbClr val="333333"/>
+              </a:solidFill>
+              <a:latin typeface="+mn-ea"/>
+            </a:endParaRPr>
+          </a:p>
+          <a:p>
+            <a:pPr lvl="0"/>
+            <a:r>
+              <a:rPr lang="en-US" altLang="zh-CN" sz="2000" b="1" dirty="0">
+                <a:solidFill>
+                  <a:srgbClr val="333333"/>
+                </a:solidFill>
+                <a:latin typeface="+mn-ea"/>
+              </a:rPr>
+              <a:t> </a:t>
+            </a:r>
+            <a:r>
+              <a:rPr lang="en-US" altLang="zh-CN" sz="2000" b="1" dirty="0" smtClean="0">
+                <a:solidFill>
+                  <a:srgbClr val="333333"/>
+                </a:solidFill>
+                <a:latin typeface="+mn-ea"/>
+              </a:rPr>
+              <a:t>     </a:t>
+            </a:r>
+            <a:r>
+              <a:rPr lang="zh-CN" altLang="en-US" sz="2000" b="1" dirty="0" smtClean="0">
+                <a:solidFill>
+                  <a:srgbClr val="333333"/>
+                </a:solidFill>
+                <a:latin typeface="+mn-ea"/>
+              </a:rPr>
+              <a:t>这个接口就是获取微信平台的授权令牌</a:t>
+            </a:r>
+            <a:r>
+              <a:rPr lang="zh-CN" altLang="zh-CN" sz="2000" b="1" dirty="0" smtClean="0">
+                <a:latin typeface="+mn-ea"/>
+              </a:rPr>
+              <a:t> </a:t>
+            </a:r>
+            <a:r>
+              <a:rPr lang="en-US" altLang="zh-CN" sz="2000" b="1" dirty="0" smtClean="0">
+                <a:latin typeface="+mn-ea"/>
+              </a:rPr>
+              <a:t>token</a:t>
+            </a:r>
+            <a:r>
+              <a:rPr lang="zh-CN" altLang="en-US" sz="2000" b="1" dirty="0" smtClean="0">
+                <a:latin typeface="+mn-ea"/>
+              </a:rPr>
+              <a:t>，两个小时之内有效，基本上所有的用户授权认证登录，例如我们用</a:t>
+            </a:r>
+            <a:r>
+              <a:rPr lang="en-US" altLang="zh-CN" sz="2000" b="1" dirty="0" smtClean="0">
+                <a:latin typeface="+mn-ea"/>
+              </a:rPr>
+              <a:t>app</a:t>
+            </a:r>
+            <a:r>
+              <a:rPr lang="zh-CN" altLang="en-US" sz="2000" b="1" dirty="0" smtClean="0">
+                <a:latin typeface="+mn-ea"/>
+              </a:rPr>
+              <a:t>扫码登录、付款、</a:t>
+            </a:r>
+            <a:r>
+              <a:rPr lang="en-US" altLang="zh-CN" sz="2000" b="1" dirty="0" smtClean="0">
+                <a:latin typeface="+mn-ea"/>
+              </a:rPr>
+              <a:t>oauth1.0</a:t>
+            </a:r>
+            <a:r>
+              <a:rPr lang="zh-CN" altLang="en-US" sz="2000" b="1" dirty="0" smtClean="0">
+                <a:latin typeface="+mn-ea"/>
+              </a:rPr>
+              <a:t>、</a:t>
+            </a:r>
+            <a:r>
+              <a:rPr lang="en-US" altLang="zh-CN" sz="2000" b="1" dirty="0" smtClean="0">
+                <a:latin typeface="+mn-ea"/>
+              </a:rPr>
+              <a:t>oatuh2.0</a:t>
+            </a:r>
+            <a:r>
+              <a:rPr lang="zh-CN" altLang="en-US" sz="2000" b="1" dirty="0" smtClean="0">
+                <a:latin typeface="+mn-ea"/>
+              </a:rPr>
+              <a:t>认证登录都会用到这个接口（常用的就是微信、支付宝）</a:t>
+            </a:r>
+            <a:endParaRPr lang="en-US" altLang="zh-CN" sz="2000" b="1" dirty="0" smtClean="0">
+              <a:latin typeface="+mn-ea"/>
+            </a:endParaRPr>
+          </a:p>
+          <a:p>
+            <a:pPr lvl="0"/>
+            <a:r>
+              <a:rPr lang="en-US" altLang="zh-CN" sz="2000" b="1" dirty="0">
+                <a:latin typeface="+mn-ea"/>
+              </a:rPr>
+              <a:t> </a:t>
+            </a:r>
+            <a:r>
+              <a:rPr lang="en-US" altLang="zh-CN" sz="2000" b="1" dirty="0" smtClean="0">
+                <a:latin typeface="+mn-ea"/>
+              </a:rPr>
+              <a:t>           </a:t>
+            </a:r>
+          </a:p>
+          <a:p>
+            <a:pPr lvl="0"/>
+            <a:r>
+              <a:rPr lang="en-US" altLang="zh-CN" sz="2000" b="1" dirty="0">
+                <a:latin typeface="+mn-ea"/>
+              </a:rPr>
+              <a:t> </a:t>
+            </a:r>
+            <a:r>
+              <a:rPr lang="en-US" altLang="zh-CN" sz="2000" b="1" dirty="0" smtClean="0">
+                <a:latin typeface="+mn-ea"/>
+              </a:rPr>
+              <a:t>    </a:t>
+            </a:r>
+            <a:r>
+              <a:rPr lang="zh-CN" altLang="en-US" sz="2000" b="1" dirty="0" smtClean="0">
+                <a:latin typeface="+mn-ea"/>
+              </a:rPr>
+              <a:t>（</a:t>
+            </a:r>
+            <a:r>
+              <a:rPr lang="en-US" altLang="zh-CN" sz="2000" b="1" dirty="0" smtClean="0">
+                <a:latin typeface="+mn-ea"/>
+              </a:rPr>
+              <a:t>2</a:t>
+            </a:r>
+            <a:r>
+              <a:rPr lang="zh-CN" altLang="en-US" sz="2000" b="1" dirty="0" smtClean="0">
+                <a:latin typeface="+mn-ea"/>
+              </a:rPr>
+              <a:t>）获取成功后调用发送客服消息接口</a:t>
+            </a:r>
+            <a:endParaRPr lang="en-US" altLang="zh-CN" sz="2000" b="1" dirty="0" smtClean="0">
+              <a:latin typeface="+mn-ea"/>
+            </a:endParaRPr>
+          </a:p>
+          <a:p>
+            <a:r>
+              <a:rPr lang="en-US" altLang="zh-CN" sz="2000" b="1" dirty="0" smtClean="0">
+                <a:solidFill>
+                  <a:srgbClr val="333333"/>
+                </a:solidFill>
+                <a:latin typeface="+mn-ea"/>
+              </a:rPr>
+              <a:t>	   </a:t>
+            </a:r>
+            <a:r>
+              <a:rPr lang="zh-CN" altLang="zh-CN" sz="2000" b="1" dirty="0" smtClean="0">
+                <a:solidFill>
+                  <a:srgbClr val="333333"/>
+                </a:solidFill>
+                <a:latin typeface="+mn-ea"/>
+              </a:rPr>
+              <a:t>http</a:t>
+            </a:r>
+            <a:r>
+              <a:rPr lang="zh-CN" altLang="zh-CN" sz="2000" b="1" dirty="0">
+                <a:solidFill>
+                  <a:srgbClr val="333333"/>
+                </a:solidFill>
+                <a:latin typeface="+mn-ea"/>
+              </a:rPr>
+              <a:t>请求方式: POST</a:t>
+            </a:r>
+            <a:br>
+              <a:rPr lang="zh-CN" altLang="zh-CN" sz="2000" b="1" dirty="0">
+                <a:solidFill>
+                  <a:srgbClr val="333333"/>
+                </a:solidFill>
+                <a:latin typeface="+mn-ea"/>
+              </a:rPr>
+            </a:br>
+            <a:r>
+              <a:rPr lang="en-US" altLang="zh-CN" sz="2000" b="1" dirty="0" smtClean="0">
+                <a:solidFill>
+                  <a:srgbClr val="333333"/>
+                </a:solidFill>
+                <a:latin typeface="+mn-ea"/>
+              </a:rPr>
+              <a:t>	   </a:t>
+            </a:r>
+            <a:r>
+              <a:rPr lang="zh-CN" altLang="zh-CN" sz="2000" b="1" dirty="0" smtClean="0">
+                <a:solidFill>
+                  <a:srgbClr val="333333"/>
+                </a:solidFill>
+                <a:latin typeface="+mn-ea"/>
+                <a:hlinkClick r:id="rId5"/>
+              </a:rPr>
+              <a:t>https</a:t>
+            </a:r>
+            <a:r>
+              <a:rPr lang="zh-CN" altLang="zh-CN" sz="2000" b="1" dirty="0">
+                <a:solidFill>
+                  <a:srgbClr val="333333"/>
+                </a:solidFill>
+                <a:latin typeface="+mn-ea"/>
+                <a:hlinkClick r:id="rId5"/>
+              </a:rPr>
+              <a:t>://api.weixin.qq.com/</a:t>
+            </a:r>
+            <a:r>
+              <a:rPr lang="zh-CN" altLang="zh-CN" sz="2000" b="1" dirty="0" smtClean="0">
+                <a:solidFill>
+                  <a:srgbClr val="333333"/>
+                </a:solidFill>
+                <a:latin typeface="+mn-ea"/>
+                <a:hlinkClick r:id="rId5"/>
+              </a:rPr>
+              <a:t>cgi</a:t>
+            </a:r>
+            <a:r>
+              <a:rPr lang="en-US" altLang="zh-CN" sz="2000" b="1" dirty="0">
+                <a:solidFill>
+                  <a:srgbClr val="333333"/>
+                </a:solidFill>
+                <a:latin typeface="+mn-ea"/>
+                <a:hlinkClick r:id="rId5"/>
+              </a:rPr>
+              <a:t>-</a:t>
+            </a:r>
+            <a:r>
+              <a:rPr lang="zh-CN" altLang="zh-CN" sz="2000" b="1" dirty="0" smtClean="0">
+                <a:solidFill>
+                  <a:srgbClr val="333333"/>
+                </a:solidFill>
+                <a:latin typeface="+mn-ea"/>
+                <a:hlinkClick r:id="rId5"/>
+              </a:rPr>
+              <a:t>bin</a:t>
+            </a:r>
+            <a:r>
+              <a:rPr lang="zh-CN" altLang="zh-CN" sz="2000" b="1" dirty="0">
+                <a:solidFill>
+                  <a:srgbClr val="333333"/>
+                </a:solidFill>
+                <a:latin typeface="+mn-ea"/>
+                <a:hlinkClick r:id="rId5"/>
+              </a:rPr>
+              <a:t>/message/custom/send?access_token=ACCESS_</a:t>
+            </a:r>
+            <a:r>
+              <a:rPr lang="zh-CN" altLang="zh-CN" sz="2000" b="1" dirty="0" smtClean="0">
+                <a:solidFill>
+                  <a:srgbClr val="333333"/>
+                </a:solidFill>
+                <a:latin typeface="+mn-ea"/>
+                <a:hlinkClick r:id="rId5"/>
+              </a:rPr>
+              <a:t>TOKEN</a:t>
+            </a:r>
+            <a:r>
+              <a:rPr lang="en-US" altLang="zh-CN" sz="2000" b="1" dirty="0" smtClean="0">
+                <a:solidFill>
+                  <a:srgbClr val="333333"/>
+                </a:solidFill>
+                <a:latin typeface="+mn-ea"/>
+                <a:hlinkClick r:id="rId5"/>
+              </a:rPr>
+              <a:t>            </a:t>
+            </a:r>
+            <a:r>
+              <a:rPr lang="zh-CN" altLang="zh-CN" sz="2000" b="1" dirty="0" smtClean="0">
+                <a:solidFill>
+                  <a:srgbClr val="333333"/>
+                </a:solidFill>
+                <a:latin typeface="+mn-ea"/>
+                <a:hlinkClick r:id="rId5"/>
+              </a:rPr>
+              <a:t/>
+            </a:r>
+            <a:br>
+              <a:rPr lang="zh-CN" altLang="zh-CN" sz="2000" b="1" dirty="0" smtClean="0">
+                <a:solidFill>
+                  <a:srgbClr val="333333"/>
+                </a:solidFill>
+                <a:latin typeface="+mn-ea"/>
+                <a:hlinkClick r:id="rId5"/>
+              </a:rPr>
+            </a:br>
+            <a:r>
+              <a:rPr lang="en-US" altLang="zh-CN" sz="2000" b="1" dirty="0" smtClean="0">
+                <a:solidFill>
+                  <a:srgbClr val="333333"/>
+                </a:solidFill>
+                <a:latin typeface="+mn-ea"/>
+              </a:rPr>
+              <a:t>          {</a:t>
+            </a:r>
+          </a:p>
+          <a:p>
+            <a:pPr lvl="3"/>
+            <a:r>
+              <a:rPr lang="en-US" altLang="zh-CN" sz="2000" b="1" dirty="0" smtClean="0">
+                <a:solidFill>
+                  <a:srgbClr val="333333"/>
+                </a:solidFill>
+                <a:latin typeface="+mn-ea"/>
+              </a:rPr>
+              <a:t>	"</a:t>
+            </a:r>
+            <a:r>
+              <a:rPr lang="en-US" altLang="zh-CN" sz="2000" b="1" dirty="0" err="1" smtClean="0">
+                <a:solidFill>
+                  <a:srgbClr val="333333"/>
+                </a:solidFill>
+                <a:latin typeface="+mn-ea"/>
+              </a:rPr>
+              <a:t>touser</a:t>
+            </a:r>
+            <a:r>
+              <a:rPr lang="en-US" altLang="zh-CN" sz="2000" b="1" dirty="0" smtClean="0">
+                <a:solidFill>
+                  <a:srgbClr val="333333"/>
+                </a:solidFill>
+                <a:latin typeface="+mn-ea"/>
+              </a:rPr>
+              <a:t>": "oJ6431M_QZNaxVPAA0ekI9rjB1u8",</a:t>
+            </a:r>
+          </a:p>
+          <a:p>
+            <a:pPr lvl="3"/>
+            <a:r>
+              <a:rPr lang="en-US" altLang="zh-CN" sz="2000" b="1" dirty="0" smtClean="0">
+                <a:solidFill>
+                  <a:srgbClr val="333333"/>
+                </a:solidFill>
+                <a:latin typeface="+mn-ea"/>
+              </a:rPr>
+              <a:t>	"text": {</a:t>
+            </a:r>
+          </a:p>
+          <a:p>
+            <a:pPr lvl="3"/>
+            <a:r>
+              <a:rPr lang="en-US" altLang="zh-CN" sz="2000" b="1" dirty="0" smtClean="0">
+                <a:solidFill>
+                  <a:srgbClr val="333333"/>
+                </a:solidFill>
+                <a:latin typeface="+mn-ea"/>
+              </a:rPr>
+              <a:t>		"content": {</a:t>
+            </a:r>
+          </a:p>
+          <a:p>
+            <a:pPr lvl="3"/>
+            <a:r>
+              <a:rPr lang="en-US" altLang="zh-CN" sz="2000" b="1" dirty="0" smtClean="0">
+                <a:solidFill>
+                  <a:srgbClr val="333333"/>
+                </a:solidFill>
+                <a:latin typeface="+mn-ea"/>
+              </a:rPr>
+              <a:t>			"</a:t>
+            </a:r>
+            <a:r>
+              <a:rPr lang="zh-CN" altLang="en-US" sz="2000" b="1" dirty="0" smtClean="0">
+                <a:solidFill>
+                  <a:srgbClr val="333333"/>
+                </a:solidFill>
+                <a:latin typeface="+mn-ea"/>
+              </a:rPr>
+              <a:t>输入信息：</a:t>
+            </a:r>
+            <a:r>
+              <a:rPr lang="en-US" altLang="zh-CN" sz="2000" b="1" dirty="0" smtClean="0">
+                <a:solidFill>
+                  <a:srgbClr val="333333"/>
+                </a:solidFill>
+                <a:latin typeface="+mn-ea"/>
+              </a:rPr>
+              <a:t>": "</a:t>
+            </a:r>
+            <a:r>
+              <a:rPr lang="zh-CN" altLang="en-US" sz="2000" b="1" dirty="0" smtClean="0">
+                <a:solidFill>
+                  <a:srgbClr val="333333"/>
+                </a:solidFill>
+                <a:latin typeface="+mn-ea"/>
+              </a:rPr>
+              <a:t>测试</a:t>
+            </a:r>
+            <a:r>
+              <a:rPr lang="en-US" altLang="zh-CN" sz="2000" b="1" dirty="0" smtClean="0">
+                <a:solidFill>
+                  <a:srgbClr val="333333"/>
+                </a:solidFill>
+                <a:latin typeface="+mn-ea"/>
+              </a:rPr>
+              <a:t>"</a:t>
+            </a:r>
+          </a:p>
+          <a:p>
+            <a:pPr lvl="3"/>
+            <a:r>
+              <a:rPr lang="en-US" altLang="zh-CN" sz="2000" b="1" dirty="0" smtClean="0">
+                <a:solidFill>
+                  <a:srgbClr val="333333"/>
+                </a:solidFill>
+                <a:latin typeface="+mn-ea"/>
+              </a:rPr>
+              <a:t>		}</a:t>
+            </a:r>
+          </a:p>
+          <a:p>
+            <a:pPr lvl="3"/>
+            <a:r>
+              <a:rPr lang="en-US" altLang="zh-CN" sz="2000" b="1" dirty="0" smtClean="0">
+                <a:solidFill>
+                  <a:srgbClr val="333333"/>
+                </a:solidFill>
+                <a:latin typeface="+mn-ea"/>
+              </a:rPr>
+              <a:t>	},</a:t>
+            </a:r>
+          </a:p>
+          <a:p>
+            <a:pPr lvl="3"/>
+            <a:r>
+              <a:rPr lang="en-US" altLang="zh-CN" sz="2000" b="1" dirty="0" smtClean="0">
+                <a:solidFill>
+                  <a:srgbClr val="333333"/>
+                </a:solidFill>
+                <a:latin typeface="+mn-ea"/>
+              </a:rPr>
+              <a:t>	"</a:t>
+            </a:r>
+            <a:r>
+              <a:rPr lang="en-US" altLang="zh-CN" sz="2000" b="1" dirty="0" err="1" smtClean="0">
+                <a:solidFill>
+                  <a:srgbClr val="333333"/>
+                </a:solidFill>
+                <a:latin typeface="+mn-ea"/>
+              </a:rPr>
+              <a:t>msgtype</a:t>
+            </a:r>
+            <a:r>
+              <a:rPr lang="en-US" altLang="zh-CN" sz="2000" b="1" dirty="0" smtClean="0">
+                <a:solidFill>
+                  <a:srgbClr val="333333"/>
+                </a:solidFill>
+                <a:latin typeface="+mn-ea"/>
+              </a:rPr>
+              <a:t>": "text“</a:t>
+            </a:r>
+          </a:p>
+          <a:p>
+            <a:pPr lvl="3"/>
+            <a:r>
+              <a:rPr lang="en-US" altLang="zh-CN" sz="2000" b="1" dirty="0" smtClean="0">
+                <a:solidFill>
+                  <a:srgbClr val="333333"/>
+                </a:solidFill>
+                <a:latin typeface="+mn-ea"/>
+              </a:rPr>
+              <a:t>}</a:t>
+            </a:r>
+            <a:r>
+              <a:rPr lang="zh-CN" altLang="zh-CN" sz="2000" b="1" dirty="0" smtClean="0">
+                <a:latin typeface="+mn-ea"/>
+              </a:rPr>
+              <a:t/>
+            </a:r>
+            <a:br>
+              <a:rPr lang="zh-CN" altLang="zh-CN" sz="2000" b="1" dirty="0" smtClean="0">
+                <a:latin typeface="+mn-ea"/>
+              </a:rPr>
+            </a:br>
+            <a:endParaRPr lang="zh-CN" altLang="zh-CN" sz="2000" b="1" dirty="0" smtClean="0">
+              <a:latin typeface="+mn-ea"/>
+            </a:endParaRPr>
+          </a:p>
+          <a:p>
+            <a:pPr lvl="0"/>
+            <a:endParaRPr lang="zh-CN" altLang="zh-CN" sz="2000" b="1" dirty="0" smtClean="0">
+              <a:latin typeface="+mn-ea"/>
+            </a:endParaRPr>
+          </a:p>
+          <a:p>
+            <a:endParaRPr lang="en-US" altLang="zh-CN" sz="2000" b="1" dirty="0" smtClean="0">
+              <a:latin typeface="+mn-ea"/>
+            </a:endParaRPr>
+          </a:p>
+          <a:p>
+            <a:r>
+              <a:rPr lang="en-US" altLang="zh-CN" sz="2000" b="1" dirty="0">
+                <a:latin typeface="+mn-ea"/>
+              </a:rPr>
+              <a:t> </a:t>
+            </a:r>
+            <a:r>
+              <a:rPr lang="en-US" altLang="zh-CN" sz="2000" b="1" dirty="0" smtClean="0">
+                <a:latin typeface="+mn-ea"/>
+              </a:rPr>
+              <a:t>            </a:t>
+            </a:r>
+            <a:endParaRPr lang="zh-CN" altLang="en-US" sz="2000" b="1" dirty="0">
+              <a:latin typeface="+mn-ea"/>
+            </a:endParaRPr>
+          </a:p>
+        </p:txBody>
+      </p:sp>
+      <p:sp>
+        <p:nvSpPr>
+          <p:cNvPr id="4" name="Rectangle 2"/>
+          <p:cNvSpPr>
+            <a:spLocks noChangeArrowheads="1"/>
+          </p:cNvSpPr>
+          <p:nvPr/>
+        </p:nvSpPr>
+        <p:spPr bwMode="auto">
+          <a:xfrm>
+            <a:off x="0" y="58050"/>
+            <a:ext cx="65" cy="341099"/>
+          </a:xfrm>
+          <a:prstGeom prst="rect">
+            <a:avLst/>
+          </a:prstGeom>
+          <a:solidFill>
+            <a:srgbClr val="F5F5F5"/>
+          </a:solidFill>
+          <a:ln>
+            <a:noFill/>
+          </a:ln>
+          <a:effectLst/>
+          <a:extLst>
+            <a:ext uri="{91240B29-F687-4F45-9708-019B960494DF}">
+              <a14:hiddenLine xmlns:a14="http://schemas.microsoft.com/office/drawing/2010/main" w="9525">
+                <a:solidFill>
+                  <a:schemeClr val="tx1"/>
+                </a:solidFill>
+                <a:miter lim="800000"/>
+                <a:headEnd/>
+                <a:tailEnd/>
+              </a14:hiddenLine>
+            </a:ext>
+            <a:ext uri="{AF507438-7753-43E0-B8FC-AC1667EBCBE1}">
+              <a14:hiddenEffects xmlns:a14="http://schemas.microsoft.com/office/drawing/2010/main">
+                <a:effectLst>
+                  <a:outerShdw dist="35921" dir="2700000" algn="ctr" rotWithShape="0">
+                    <a:schemeClr val="bg2"/>
+                  </a:outerShdw>
+                </a:effectLst>
+              </a14:hiddenEffects>
+            </a:ext>
+          </a:extLst>
+        </p:spPr>
+        <p:txBody>
+          <a:bodyPr vert="horz" wrap="none" lIns="0" tIns="0" rIns="0" bIns="63480" numCol="1" anchor="ctr" anchorCtr="0" compatLnSpc="1">
+            <a:prstTxWarp prst="textNoShape">
+              <a:avLst/>
+            </a:prstTxWarp>
+            <a:spAutoFit/>
+          </a:bodyPr>
+          <a:lstStyle/>
+          <a:p>
+            <a:pPr marL="0" marR="0" lvl="0" indent="0" algn="l" defTabSz="914400" rtl="0" eaLnBrk="0" fontAlgn="base" latinLnBrk="0" hangingPunct="0">
+              <a:lnSpc>
+                <a:spcPct val="100000"/>
+              </a:lnSpc>
+              <a:spcBef>
+                <a:spcPct val="0"/>
+              </a:spcBef>
+              <a:spcAft>
+                <a:spcPct val="0"/>
+              </a:spcAft>
+              <a:buClrTx/>
+              <a:buSzTx/>
+              <a:buFontTx/>
+              <a:buNone/>
+              <a:tabLst/>
+            </a:pPr>
+            <a:endParaRPr kumimoji="0" lang="zh-CN" altLang="zh-CN" sz="1800" b="0" i="0" u="none" strike="noStrike" cap="none" normalizeH="0" baseline="0" dirty="0" smtClean="0">
+              <a:ln>
+                <a:noFill/>
+              </a:ln>
+              <a:solidFill>
+                <a:schemeClr val="tx1"/>
+              </a:solidFill>
+              <a:effectLst/>
+              <a:latin typeface="Arial" panose="020B0604020202020204" pitchFamily="34" charset="0"/>
+            </a:endParaRPr>
+          </a:p>
+        </p:txBody>
+      </p:sp>
+      <p:sp>
+        <p:nvSpPr>
+          <p:cNvPr id="7" name="Rectangle 5"/>
+          <p:cNvSpPr>
+            <a:spLocks noChangeArrowheads="1"/>
+          </p:cNvSpPr>
+          <p:nvPr/>
+        </p:nvSpPr>
+        <p:spPr bwMode="auto">
+          <a:xfrm>
+            <a:off x="0" y="58050"/>
+            <a:ext cx="65" cy="341099"/>
+          </a:xfrm>
+          <a:prstGeom prst="rect">
+            <a:avLst/>
+          </a:prstGeom>
+          <a:solidFill>
+            <a:srgbClr val="F5F5F5"/>
+          </a:solidFill>
+          <a:ln>
+            <a:noFill/>
+          </a:ln>
+          <a:effectLst/>
+          <a:extLst>
+            <a:ext uri="{91240B29-F687-4F45-9708-019B960494DF}">
+              <a14:hiddenLine xmlns:a14="http://schemas.microsoft.com/office/drawing/2010/main" w="9525">
+                <a:solidFill>
+                  <a:schemeClr val="tx1"/>
+                </a:solidFill>
+                <a:miter lim="800000"/>
+                <a:headEnd/>
+                <a:tailEnd/>
+              </a14:hiddenLine>
+            </a:ext>
+            <a:ext uri="{AF507438-7753-43E0-B8FC-AC1667EBCBE1}">
+              <a14:hiddenEffects xmlns:a14="http://schemas.microsoft.com/office/drawing/2010/main">
+                <a:effectLst>
+                  <a:outerShdw dist="35921" dir="2700000" algn="ctr" rotWithShape="0">
+                    <a:schemeClr val="bg2"/>
+                  </a:outerShdw>
+                </a:effectLst>
+              </a14:hiddenEffects>
+            </a:ext>
+          </a:extLst>
+        </p:spPr>
+        <p:txBody>
+          <a:bodyPr vert="horz" wrap="none" lIns="0" tIns="0" rIns="0" bIns="63480" numCol="1" anchor="ctr" anchorCtr="0" compatLnSpc="1">
+            <a:prstTxWarp prst="textNoShape">
+              <a:avLst/>
+            </a:prstTxWarp>
+            <a:spAutoFit/>
+          </a:bodyPr>
+          <a:lstStyle/>
+          <a:p>
+            <a:pPr marL="0" marR="0" lvl="0" indent="0" algn="l" defTabSz="914400" rtl="0" eaLnBrk="0" fontAlgn="base" latinLnBrk="0" hangingPunct="0">
+              <a:lnSpc>
+                <a:spcPct val="100000"/>
+              </a:lnSpc>
+              <a:spcBef>
+                <a:spcPct val="0"/>
+              </a:spcBef>
+              <a:spcAft>
+                <a:spcPct val="0"/>
+              </a:spcAft>
+              <a:buClrTx/>
+              <a:buSzTx/>
+              <a:buFontTx/>
+              <a:buNone/>
+              <a:tabLst/>
+            </a:pPr>
+            <a:endParaRPr kumimoji="0" lang="zh-CN" altLang="zh-CN" sz="1800" b="0" i="0" u="none" strike="noStrike" cap="none" normalizeH="0" baseline="0" dirty="0" smtClean="0">
+              <a:ln>
+                <a:noFill/>
+              </a:ln>
+              <a:solidFill>
+                <a:schemeClr val="tx1"/>
+              </a:solidFill>
+              <a:effectLst/>
+              <a:latin typeface="Arial" panose="020B0604020202020204" pitchFamily="34" charset="0"/>
+            </a:endParaRPr>
+          </a:p>
+        </p:txBody>
+      </p:sp>
+    </p:spTree>
+    <p:extLst>
+      <p:ext uri="{BB962C8B-B14F-4D97-AF65-F5344CB8AC3E}">
+        <p14:creationId xmlns:p14="http://schemas.microsoft.com/office/powerpoint/2010/main" val="3777303708"/>
+      </p:ext>
+    </p:extLst>
+  </p:cSld>
+  <p:clrMapOvr>
+    <a:masterClrMapping/>
+  </p:clrMapOvr>
+  <p:timing>
+    <p:tnLst>
+      <p:par>
+        <p:cTn id="1" dur="indefinite" restart="never" nodeType="tmRoot"/>
+      </p:par>
+    </p:tnLst>
+  </p:timing>
+</p:sld>
+</file>
+
+<file path=ppt/slides/slide9.xml><?xml version="1.0" encoding="utf-8"?>
+<p:sld xmlns:a="http://schemas.openxmlformats.org/drawingml/2006/main" xmlns:r="http://schemas.openxmlformats.org/officeDocument/2006/relationships" xmlns:p="http://schemas.openxmlformats.org/presentationml/2006/main">
+  <p:cSld>
+    <p:spTree>
+      <p:nvGrpSpPr>
+        <p:cNvPr id="1" name=""/>
+        <p:cNvGrpSpPr/>
+        <p:nvPr/>
+      </p:nvGrpSpPr>
+      <p:grpSpPr>
+        <a:xfrm>
+          <a:off x="0" y="0"/>
+          <a:ext cx="0" cy="0"/>
+          <a:chOff x="0" y="0"/>
+          <a:chExt cx="0" cy="0"/>
+        </a:xfrm>
+      </p:grpSpPr>
+      <p:sp>
+        <p:nvSpPr>
+          <p:cNvPr id="3" name="文本框 2"/>
+          <p:cNvSpPr txBox="1"/>
+          <p:nvPr/>
+        </p:nvSpPr>
+        <p:spPr>
+          <a:xfrm>
+            <a:off x="292100" y="399150"/>
+            <a:ext cx="11899900" cy="9017853"/>
+          </a:xfrm>
+          <a:prstGeom prst="rect">
+            <a:avLst/>
+          </a:prstGeom>
+          <a:solidFill>
+            <a:schemeClr val="accent1"/>
+          </a:solidFill>
+        </p:spPr>
+        <p:txBody>
+          <a:bodyPr wrap="square" rtlCol="0">
+            <a:spAutoFit/>
+          </a:bodyPr>
+          <a:lstStyle/>
+          <a:p>
+            <a:r>
+              <a:rPr lang="en-US" altLang="zh-CN" sz="2000" b="1" dirty="0" smtClean="0">
+                <a:latin typeface="+mn-ea"/>
+              </a:rPr>
+              <a:t>2.</a:t>
+            </a:r>
+            <a:r>
+              <a:rPr lang="zh-CN" altLang="en-US" sz="2000" b="1" dirty="0" smtClean="0">
+                <a:latin typeface="+mn-ea"/>
+              </a:rPr>
+              <a:t>发送图片接口</a:t>
+            </a:r>
+            <a:endParaRPr lang="en-US" altLang="zh-CN" sz="2000" b="1" dirty="0" smtClean="0">
+              <a:latin typeface="+mn-ea"/>
+            </a:endParaRPr>
+          </a:p>
+          <a:p>
+            <a:r>
+              <a:rPr lang="zh-CN" altLang="en-US" sz="2000" b="1" dirty="0" smtClean="0">
+                <a:latin typeface="+mn-ea"/>
+              </a:rPr>
+              <a:t>和发送文本消息类似，只是发送之前需要先上传到微信平台上临时保存，当然也可以永久保存，这里只介绍临时保存方法，有效期是</a:t>
+            </a:r>
+            <a:r>
+              <a:rPr lang="en-US" altLang="zh-CN" sz="2000" b="1" dirty="0" smtClean="0">
+                <a:latin typeface="+mn-ea"/>
+              </a:rPr>
+              <a:t>2</a:t>
+            </a:r>
+            <a:r>
+              <a:rPr lang="zh-CN" altLang="en-US" sz="2000" b="1" dirty="0" smtClean="0">
+                <a:latin typeface="+mn-ea"/>
+              </a:rPr>
+              <a:t>天，一般项目用这个基本上就可以满足需求了，用不着永久的保存，除非你想把它当作你们公司的文件服务器来用。。</a:t>
+            </a:r>
+            <a:endParaRPr lang="en-US" altLang="zh-CN" sz="2000" b="1" dirty="0" smtClean="0">
+              <a:latin typeface="+mn-ea"/>
+            </a:endParaRPr>
+          </a:p>
+          <a:p>
+            <a:endParaRPr lang="en-US" altLang="zh-CN" sz="2000" b="1" dirty="0">
+              <a:latin typeface="+mn-ea"/>
+            </a:endParaRPr>
+          </a:p>
+          <a:p>
+            <a:r>
+              <a:rPr lang="en-US" altLang="zh-CN" sz="2000" b="1" dirty="0" smtClean="0">
+                <a:latin typeface="+mn-ea"/>
+              </a:rPr>
+              <a:t>         </a:t>
+            </a:r>
+            <a:r>
+              <a:rPr lang="zh-CN" altLang="en-US" sz="2000" b="1" dirty="0" smtClean="0">
+                <a:latin typeface="+mn-ea"/>
+              </a:rPr>
+              <a:t>（</a:t>
+            </a:r>
+            <a:r>
+              <a:rPr lang="en-US" altLang="zh-CN" sz="2000" b="1" dirty="0" smtClean="0">
+                <a:latin typeface="+mn-ea"/>
+              </a:rPr>
+              <a:t>1</a:t>
+            </a:r>
+            <a:r>
+              <a:rPr lang="zh-CN" altLang="en-US" sz="2000" b="1" dirty="0" smtClean="0">
+                <a:latin typeface="+mn-ea"/>
+              </a:rPr>
+              <a:t>）调用上传图片接口</a:t>
+            </a:r>
+            <a:endParaRPr lang="en-US" altLang="zh-CN" sz="2000" b="1" dirty="0" smtClean="0">
+              <a:latin typeface="+mn-ea"/>
+            </a:endParaRPr>
+          </a:p>
+          <a:p>
+            <a:r>
+              <a:rPr lang="en-US" altLang="zh-CN" sz="2000" b="1" dirty="0">
+                <a:latin typeface="+mn-ea"/>
+              </a:rPr>
+              <a:t> </a:t>
+            </a:r>
+            <a:r>
+              <a:rPr lang="en-US" altLang="zh-CN" sz="2000" b="1" dirty="0" smtClean="0">
+                <a:latin typeface="+mn-ea"/>
+              </a:rPr>
+              <a:t>             </a:t>
+            </a:r>
+            <a:r>
+              <a:rPr lang="zh-CN" altLang="en-US" sz="2000" b="1" dirty="0" smtClean="0">
+                <a:latin typeface="+mn-ea"/>
+              </a:rPr>
+              <a:t>文档地址：</a:t>
+            </a:r>
+            <a:r>
+              <a:rPr lang="en-US" altLang="zh-CN" sz="2000" b="1" dirty="0">
+                <a:latin typeface="+mn-ea"/>
+                <a:hlinkClick r:id="rId3"/>
+              </a:rPr>
+              <a:t>https://mp.weixin.qq.com/wiki?t=resource/res_main&amp;id=mp1444738726</a:t>
+            </a:r>
+            <a:endParaRPr lang="en-US" altLang="zh-CN" sz="2000" b="1" dirty="0" smtClean="0">
+              <a:latin typeface="+mn-ea"/>
+            </a:endParaRPr>
+          </a:p>
+          <a:p>
+            <a:r>
+              <a:rPr lang="en-US" altLang="zh-CN" sz="2000" b="1" dirty="0" smtClean="0">
+                <a:latin typeface="+mn-ea"/>
+              </a:rPr>
+              <a:t>              </a:t>
+            </a:r>
+            <a:r>
+              <a:rPr lang="zh-CN" altLang="en-US" sz="2000" b="1" dirty="0" smtClean="0">
+                <a:latin typeface="+mn-ea"/>
+              </a:rPr>
+              <a:t>这里没有自己做一个页面实现文件上传，用</a:t>
+            </a:r>
+            <a:r>
+              <a:rPr lang="en-US" altLang="zh-CN" sz="2000" b="1" dirty="0" smtClean="0">
+                <a:latin typeface="+mn-ea"/>
+              </a:rPr>
+              <a:t>chrome</a:t>
+            </a:r>
+            <a:r>
+              <a:rPr lang="zh-CN" altLang="en-US" sz="2000" b="1" dirty="0" smtClean="0">
+                <a:latin typeface="+mn-ea"/>
+              </a:rPr>
+              <a:t>自带的插件去实现</a:t>
+            </a:r>
+            <a:r>
+              <a:rPr lang="en-US" altLang="zh-CN" sz="2000" b="1" dirty="0" smtClean="0">
+                <a:latin typeface="+mn-ea"/>
+              </a:rPr>
+              <a:t>^_^</a:t>
+            </a:r>
+          </a:p>
+          <a:p>
+            <a:r>
+              <a:rPr lang="en-US" altLang="zh-CN" sz="2000" b="1" dirty="0" smtClean="0">
+                <a:latin typeface="+mn-ea"/>
+              </a:rPr>
+              <a:t>        </a:t>
+            </a:r>
+            <a:r>
+              <a:rPr lang="zh-CN" altLang="zh-CN" sz="2000" b="1" dirty="0" smtClean="0">
+                <a:solidFill>
+                  <a:srgbClr val="333333"/>
+                </a:solidFill>
+                <a:latin typeface="+mn-ea"/>
+                <a:hlinkClick r:id="rId4"/>
+              </a:rPr>
+              <a:t>https</a:t>
+            </a:r>
+            <a:r>
+              <a:rPr lang="zh-CN" altLang="zh-CN" sz="2000" b="1" dirty="0">
+                <a:solidFill>
+                  <a:srgbClr val="333333"/>
+                </a:solidFill>
+                <a:latin typeface="+mn-ea"/>
+                <a:hlinkClick r:id="rId4"/>
+              </a:rPr>
+              <a:t>://api.weixin.qq.com/cgi-bin/media/upload?access_token=ACCESS_TOKEN&amp;type</a:t>
+            </a:r>
+            <a:r>
+              <a:rPr lang="zh-CN" altLang="zh-CN" sz="2000" b="1" dirty="0" smtClean="0">
+                <a:solidFill>
+                  <a:srgbClr val="333333"/>
+                </a:solidFill>
+                <a:latin typeface="+mn-ea"/>
+                <a:hlinkClick r:id="rId4"/>
+              </a:rPr>
+              <a:t>=</a:t>
+            </a:r>
+            <a:r>
+              <a:rPr lang="en-US" altLang="zh-CN" sz="2000" b="1" dirty="0" smtClean="0">
+                <a:solidFill>
+                  <a:srgbClr val="333333"/>
+                </a:solidFill>
+                <a:latin typeface="+mn-ea"/>
+                <a:hlinkClick r:id="rId4"/>
+              </a:rPr>
+              <a:t>image</a:t>
+            </a:r>
+            <a:endParaRPr lang="en-US" altLang="zh-CN" sz="2000" b="1" dirty="0" smtClean="0">
+              <a:solidFill>
+                <a:srgbClr val="333333"/>
+              </a:solidFill>
+              <a:latin typeface="+mn-ea"/>
+            </a:endParaRPr>
+          </a:p>
+          <a:p>
+            <a:pPr lvl="0"/>
+            <a:endParaRPr lang="en-US" altLang="zh-CN" sz="2000" b="1" dirty="0">
+              <a:solidFill>
+                <a:srgbClr val="333333"/>
+              </a:solidFill>
+              <a:latin typeface="+mn-ea"/>
+            </a:endParaRPr>
+          </a:p>
+          <a:p>
+            <a:pPr lvl="0"/>
+            <a:r>
+              <a:rPr lang="en-US" altLang="zh-CN" sz="2000" b="1" dirty="0" smtClean="0">
+                <a:solidFill>
+                  <a:srgbClr val="333333"/>
+                </a:solidFill>
+                <a:latin typeface="+mn-ea"/>
+              </a:rPr>
+              <a:t>         </a:t>
+            </a:r>
+            <a:r>
+              <a:rPr lang="zh-CN" altLang="en-US" sz="2000" b="1" dirty="0" smtClean="0">
+                <a:solidFill>
+                  <a:srgbClr val="333333"/>
+                </a:solidFill>
+                <a:latin typeface="+mn-ea"/>
+              </a:rPr>
+              <a:t>（</a:t>
+            </a:r>
+            <a:r>
+              <a:rPr lang="en-US" altLang="zh-CN" sz="2000" b="1" dirty="0" smtClean="0">
+                <a:solidFill>
+                  <a:srgbClr val="333333"/>
+                </a:solidFill>
+                <a:latin typeface="+mn-ea"/>
+              </a:rPr>
+              <a:t>2</a:t>
+            </a:r>
+            <a:r>
+              <a:rPr lang="zh-CN" altLang="en-US" sz="2000" b="1" dirty="0" smtClean="0">
+                <a:solidFill>
+                  <a:srgbClr val="333333"/>
+                </a:solidFill>
+                <a:latin typeface="+mn-ea"/>
+              </a:rPr>
+              <a:t>） 上传成功后，调用发送图片接口：</a:t>
+            </a:r>
+            <a:endParaRPr lang="en-US" altLang="zh-CN" sz="2000" b="1" dirty="0" smtClean="0">
+              <a:solidFill>
+                <a:srgbClr val="333333"/>
+              </a:solidFill>
+              <a:latin typeface="+mn-ea"/>
+            </a:endParaRPr>
+          </a:p>
+          <a:p>
+            <a:pPr lvl="0"/>
+            <a:r>
+              <a:rPr lang="en-US" altLang="zh-CN" sz="2000" b="1" dirty="0" smtClean="0">
+                <a:solidFill>
+                  <a:srgbClr val="333333"/>
+                </a:solidFill>
+                <a:latin typeface="+mn-ea"/>
+              </a:rPr>
+              <a:t>	</a:t>
+            </a:r>
+            <a:r>
+              <a:rPr lang="en-US" altLang="zh-CN" sz="2000" b="1" dirty="0" smtClean="0">
+                <a:solidFill>
+                  <a:srgbClr val="333333"/>
+                </a:solidFill>
+                <a:latin typeface="+mn-ea"/>
+                <a:hlinkClick r:id="rId5"/>
+              </a:rPr>
+              <a:t>http</a:t>
+            </a:r>
+            <a:r>
+              <a:rPr lang="en-US" altLang="zh-CN" sz="2000" b="1" dirty="0">
+                <a:solidFill>
+                  <a:srgbClr val="333333"/>
+                </a:solidFill>
+                <a:latin typeface="+mn-ea"/>
+                <a:hlinkClick r:id="rId5"/>
+              </a:rPr>
+              <a:t>://</a:t>
+            </a:r>
+            <a:r>
+              <a:rPr lang="en-US" altLang="zh-CN" sz="2000" b="1" dirty="0" smtClean="0">
+                <a:solidFill>
+                  <a:srgbClr val="333333"/>
+                </a:solidFill>
+                <a:latin typeface="+mn-ea"/>
+                <a:hlinkClick r:id="rId5"/>
+              </a:rPr>
+              <a:t>localhost/test/sendCustomerImage?userOpenId=oJ6431M_QZNaxVPAA0ekI9rjB1u8&amp;mediaId=Mfan8Hrc_rSTIn8yOftmxCEflYzWOR3-Mz8Vjal35w4Nx4wo0_kJ5CayQe9YHfgx</a:t>
+            </a:r>
+            <a:endParaRPr lang="en-US" altLang="zh-CN" sz="2000" b="1" dirty="0" smtClean="0">
+              <a:solidFill>
+                <a:srgbClr val="333333"/>
+              </a:solidFill>
+              <a:latin typeface="+mn-ea"/>
+            </a:endParaRPr>
+          </a:p>
+          <a:p>
+            <a:pPr lvl="0"/>
+            <a:r>
+              <a:rPr lang="en-US" altLang="zh-CN" sz="2000" b="1" dirty="0">
+                <a:solidFill>
+                  <a:srgbClr val="333333"/>
+                </a:solidFill>
+                <a:latin typeface="+mn-ea"/>
+              </a:rPr>
+              <a:t> </a:t>
+            </a:r>
+            <a:r>
+              <a:rPr lang="en-US" altLang="zh-CN" sz="2000" b="1" dirty="0" smtClean="0">
+                <a:solidFill>
+                  <a:srgbClr val="333333"/>
+                </a:solidFill>
+                <a:latin typeface="+mn-ea"/>
+              </a:rPr>
+              <a:t>              </a:t>
+            </a:r>
+            <a:r>
+              <a:rPr lang="zh-CN" altLang="en-US" sz="2000" b="1" dirty="0" smtClean="0">
+                <a:solidFill>
+                  <a:srgbClr val="333333"/>
+                </a:solidFill>
+                <a:latin typeface="+mn-ea"/>
+              </a:rPr>
+              <a:t>实现原理：</a:t>
+            </a:r>
+            <a:endParaRPr lang="en-US" altLang="zh-CN" sz="2000" b="1" dirty="0" smtClean="0">
+              <a:solidFill>
+                <a:srgbClr val="333333"/>
+              </a:solidFill>
+              <a:latin typeface="+mn-ea"/>
+            </a:endParaRPr>
+          </a:p>
+          <a:p>
+            <a:pPr lvl="0"/>
+            <a:r>
+              <a:rPr lang="en-US" altLang="zh-CN" sz="2000" b="1" dirty="0">
+                <a:solidFill>
+                  <a:srgbClr val="333333"/>
+                </a:solidFill>
+                <a:latin typeface="+mn-ea"/>
+              </a:rPr>
+              <a:t> </a:t>
+            </a:r>
+            <a:r>
+              <a:rPr lang="en-US" altLang="zh-CN" sz="2000" b="1" dirty="0" smtClean="0">
+                <a:solidFill>
+                  <a:srgbClr val="333333"/>
+                </a:solidFill>
+                <a:latin typeface="+mn-ea"/>
+              </a:rPr>
+              <a:t>                 </a:t>
+            </a:r>
+            <a:r>
+              <a:rPr lang="zh-CN" altLang="en-US" sz="2000" b="1" dirty="0" smtClean="0">
+                <a:solidFill>
+                  <a:srgbClr val="333333"/>
+                </a:solidFill>
+                <a:latin typeface="+mn-ea"/>
+              </a:rPr>
+              <a:t>获取</a:t>
+            </a:r>
+            <a:r>
+              <a:rPr lang="en-US" altLang="zh-CN" sz="2000" b="1" dirty="0" err="1" smtClean="0">
+                <a:solidFill>
+                  <a:srgbClr val="333333"/>
+                </a:solidFill>
+                <a:latin typeface="+mn-ea"/>
+              </a:rPr>
+              <a:t>access_token</a:t>
+            </a:r>
+            <a:endParaRPr lang="en-US" altLang="zh-CN" sz="2000" b="1" dirty="0" smtClean="0">
+              <a:solidFill>
+                <a:srgbClr val="333333"/>
+              </a:solidFill>
+              <a:latin typeface="+mn-ea"/>
+            </a:endParaRPr>
+          </a:p>
+          <a:p>
+            <a:pPr lvl="0"/>
+            <a:r>
+              <a:rPr lang="en-US" altLang="zh-CN" sz="2000" b="1" dirty="0">
+                <a:solidFill>
+                  <a:srgbClr val="333333"/>
+                </a:solidFill>
+                <a:latin typeface="+mn-ea"/>
+              </a:rPr>
+              <a:t> </a:t>
+            </a:r>
+            <a:r>
+              <a:rPr lang="en-US" altLang="zh-CN" sz="2000" b="1" dirty="0" smtClean="0">
+                <a:solidFill>
+                  <a:srgbClr val="333333"/>
+                </a:solidFill>
+                <a:latin typeface="+mn-ea"/>
+              </a:rPr>
+              <a:t>                 </a:t>
+            </a:r>
+            <a:r>
+              <a:rPr lang="zh-CN" altLang="en-US" sz="2000" b="1" dirty="0" smtClean="0">
+                <a:solidFill>
+                  <a:srgbClr val="333333"/>
+                </a:solidFill>
+                <a:latin typeface="+mn-ea"/>
+              </a:rPr>
+              <a:t>调用发送客户消息接口</a:t>
+            </a:r>
+            <a:endParaRPr lang="en-US" altLang="zh-CN" sz="2000" b="1" dirty="0" smtClean="0">
+              <a:solidFill>
+                <a:srgbClr val="333333"/>
+              </a:solidFill>
+              <a:latin typeface="+mn-ea"/>
+            </a:endParaRPr>
+          </a:p>
+          <a:p>
+            <a:r>
+              <a:rPr lang="en-US" altLang="zh-CN" sz="2000" b="1" dirty="0" smtClean="0">
+                <a:solidFill>
+                  <a:srgbClr val="333333"/>
+                </a:solidFill>
+                <a:latin typeface="+mn-ea"/>
+              </a:rPr>
+              <a:t>	           </a:t>
+            </a:r>
+            <a:r>
+              <a:rPr lang="zh-CN" altLang="zh-CN" sz="2000" b="1" dirty="0" smtClean="0">
+                <a:solidFill>
+                  <a:srgbClr val="333333"/>
+                </a:solidFill>
+                <a:latin typeface="+mn-ea"/>
+              </a:rPr>
+              <a:t>http</a:t>
+            </a:r>
+            <a:r>
+              <a:rPr lang="zh-CN" altLang="zh-CN" sz="2000" b="1" dirty="0">
+                <a:solidFill>
+                  <a:srgbClr val="333333"/>
+                </a:solidFill>
+                <a:latin typeface="+mn-ea"/>
+              </a:rPr>
+              <a:t>请求方式: POST</a:t>
+            </a:r>
+            <a:r>
+              <a:rPr lang="zh-CN" altLang="zh-CN" sz="2000" b="1" dirty="0">
+                <a:latin typeface="+mn-ea"/>
+              </a:rPr>
+              <a:t> </a:t>
+            </a:r>
+            <a:endParaRPr lang="en-US" altLang="zh-CN" sz="2000" b="1" dirty="0" smtClean="0">
+              <a:solidFill>
+                <a:srgbClr val="333333"/>
+              </a:solidFill>
+              <a:latin typeface="+mn-ea"/>
+            </a:endParaRPr>
+          </a:p>
+          <a:p>
+            <a:r>
+              <a:rPr lang="en-US" altLang="zh-CN" sz="2000" b="1" dirty="0">
+                <a:solidFill>
+                  <a:srgbClr val="333333"/>
+                </a:solidFill>
+                <a:latin typeface="+mn-ea"/>
+              </a:rPr>
+              <a:t> </a:t>
+            </a:r>
+            <a:r>
+              <a:rPr lang="en-US" altLang="zh-CN" sz="2000" b="1" dirty="0" smtClean="0">
+                <a:solidFill>
+                  <a:srgbClr val="333333"/>
+                </a:solidFill>
+                <a:latin typeface="+mn-ea"/>
+              </a:rPr>
+              <a:t>       </a:t>
+            </a:r>
+            <a:r>
+              <a:rPr lang="zh-CN" altLang="zh-CN" sz="2000" b="1" dirty="0" smtClean="0">
+                <a:solidFill>
+                  <a:srgbClr val="333333"/>
+                </a:solidFill>
+                <a:latin typeface="+mn-ea"/>
+                <a:hlinkClick r:id="rId6"/>
+              </a:rPr>
+              <a:t>https</a:t>
+            </a:r>
+            <a:r>
+              <a:rPr lang="zh-CN" altLang="zh-CN" sz="2000" b="1" dirty="0">
+                <a:solidFill>
+                  <a:srgbClr val="333333"/>
+                </a:solidFill>
+                <a:latin typeface="+mn-ea"/>
+                <a:hlinkClick r:id="rId6"/>
+              </a:rPr>
+              <a:t>://api.weixin.qq.com/cgi</a:t>
+            </a:r>
+            <a:r>
+              <a:rPr lang="zh-CN" altLang="zh-CN" sz="2000" b="1" dirty="0" smtClean="0">
+                <a:solidFill>
+                  <a:srgbClr val="333333"/>
+                </a:solidFill>
+                <a:latin typeface="+mn-ea"/>
+                <a:hlinkClick r:id="rId6"/>
+              </a:rPr>
+              <a:t>-bin</a:t>
+            </a:r>
+            <a:r>
+              <a:rPr lang="zh-CN" altLang="zh-CN" sz="2000" b="1" dirty="0">
+                <a:solidFill>
+                  <a:srgbClr val="333333"/>
+                </a:solidFill>
+                <a:latin typeface="+mn-ea"/>
+                <a:hlinkClick r:id="rId6"/>
+              </a:rPr>
+              <a:t>/message/custom/send?access_token=ACCESS_TOKEN</a:t>
+            </a:r>
+            <a:r>
+              <a:rPr lang="zh-CN" altLang="zh-CN" sz="2000" b="1" dirty="0">
+                <a:latin typeface="+mn-ea"/>
+                <a:hlinkClick r:id="rId6"/>
+              </a:rPr>
+              <a:t> </a:t>
+            </a:r>
+            <a:r>
+              <a:rPr lang="en-US" altLang="zh-CN" sz="2000" b="1" dirty="0" smtClean="0">
+                <a:solidFill>
+                  <a:srgbClr val="333333"/>
+                </a:solidFill>
+                <a:latin typeface="+mn-ea"/>
+              </a:rPr>
+              <a:t>                              </a:t>
+            </a:r>
+          </a:p>
+          <a:p>
+            <a:pPr lvl="2"/>
+            <a:r>
+              <a:rPr lang="zh-CN" altLang="zh-CN" sz="2000" b="1" dirty="0">
+                <a:solidFill>
+                  <a:srgbClr val="333333"/>
+                </a:solidFill>
+                <a:latin typeface="+mn-ea"/>
+              </a:rPr>
+              <a:t>{</a:t>
+            </a:r>
+            <a:br>
+              <a:rPr lang="zh-CN" altLang="zh-CN" sz="2000" b="1" dirty="0">
+                <a:solidFill>
+                  <a:srgbClr val="333333"/>
+                </a:solidFill>
+                <a:latin typeface="+mn-ea"/>
+              </a:rPr>
+            </a:br>
+            <a:r>
+              <a:rPr lang="en-US" altLang="zh-CN" sz="2000" b="1" dirty="0" smtClean="0">
+                <a:solidFill>
+                  <a:srgbClr val="333333"/>
+                </a:solidFill>
+                <a:latin typeface="+mn-ea"/>
+              </a:rPr>
+              <a:t>	</a:t>
+            </a:r>
+            <a:r>
+              <a:rPr lang="zh-CN" altLang="zh-CN" sz="2000" b="1" dirty="0" smtClean="0">
+                <a:solidFill>
+                  <a:srgbClr val="333333"/>
+                </a:solidFill>
+                <a:latin typeface="+mn-ea"/>
+              </a:rPr>
+              <a:t>"</a:t>
+            </a:r>
+            <a:r>
+              <a:rPr lang="zh-CN" altLang="zh-CN" sz="2000" b="1" dirty="0">
+                <a:solidFill>
+                  <a:srgbClr val="333333"/>
+                </a:solidFill>
+                <a:latin typeface="+mn-ea"/>
+              </a:rPr>
+              <a:t>touser":"OPENID",</a:t>
+            </a:r>
+            <a:br>
+              <a:rPr lang="zh-CN" altLang="zh-CN" sz="2000" b="1" dirty="0">
+                <a:solidFill>
+                  <a:srgbClr val="333333"/>
+                </a:solidFill>
+                <a:latin typeface="+mn-ea"/>
+              </a:rPr>
+            </a:br>
+            <a:r>
+              <a:rPr lang="en-US" altLang="zh-CN" sz="2000" b="1" dirty="0" smtClean="0">
+                <a:solidFill>
+                  <a:srgbClr val="333333"/>
+                </a:solidFill>
+                <a:latin typeface="+mn-ea"/>
+              </a:rPr>
+              <a:t>	</a:t>
+            </a:r>
+            <a:r>
+              <a:rPr lang="zh-CN" altLang="zh-CN" sz="2000" b="1" dirty="0" smtClean="0">
+                <a:solidFill>
+                  <a:srgbClr val="333333"/>
+                </a:solidFill>
+                <a:latin typeface="+mn-ea"/>
+              </a:rPr>
+              <a:t>"</a:t>
+            </a:r>
+            <a:r>
+              <a:rPr lang="zh-CN" altLang="zh-CN" sz="2000" b="1" dirty="0">
+                <a:solidFill>
+                  <a:srgbClr val="333333"/>
+                </a:solidFill>
+                <a:latin typeface="+mn-ea"/>
+              </a:rPr>
+              <a:t>msgtype":"text",</a:t>
+            </a:r>
+            <a:br>
+              <a:rPr lang="zh-CN" altLang="zh-CN" sz="2000" b="1" dirty="0">
+                <a:solidFill>
+                  <a:srgbClr val="333333"/>
+                </a:solidFill>
+                <a:latin typeface="+mn-ea"/>
+              </a:rPr>
+            </a:br>
+            <a:r>
+              <a:rPr lang="en-US" altLang="zh-CN" sz="2000" b="1" dirty="0" smtClean="0">
+                <a:solidFill>
+                  <a:srgbClr val="333333"/>
+                </a:solidFill>
+                <a:latin typeface="+mn-ea"/>
+              </a:rPr>
+              <a:t>	</a:t>
+            </a:r>
+            <a:r>
+              <a:rPr lang="zh-CN" altLang="zh-CN" sz="2000" b="1" dirty="0" smtClean="0">
+                <a:solidFill>
+                  <a:srgbClr val="333333"/>
+                </a:solidFill>
+                <a:latin typeface="+mn-ea"/>
+              </a:rPr>
+              <a:t>"</a:t>
+            </a:r>
+            <a:r>
+              <a:rPr lang="zh-CN" altLang="zh-CN" sz="2000" b="1" dirty="0">
+                <a:solidFill>
+                  <a:srgbClr val="333333"/>
+                </a:solidFill>
+                <a:latin typeface="+mn-ea"/>
+              </a:rPr>
+              <a:t>text":</a:t>
+            </a:r>
+            <a:br>
+              <a:rPr lang="zh-CN" altLang="zh-CN" sz="2000" b="1" dirty="0">
+                <a:solidFill>
+                  <a:srgbClr val="333333"/>
+                </a:solidFill>
+                <a:latin typeface="+mn-ea"/>
+              </a:rPr>
+            </a:br>
+            <a:r>
+              <a:rPr lang="en-US" altLang="zh-CN" sz="2000" b="1" dirty="0" smtClean="0">
+                <a:solidFill>
+                  <a:srgbClr val="333333"/>
+                </a:solidFill>
+                <a:latin typeface="+mn-ea"/>
+              </a:rPr>
+              <a:t>	</a:t>
+            </a:r>
+            <a:r>
+              <a:rPr lang="zh-CN" altLang="zh-CN" sz="2000" b="1" dirty="0" smtClean="0">
+                <a:solidFill>
+                  <a:srgbClr val="333333"/>
+                </a:solidFill>
+                <a:latin typeface="+mn-ea"/>
+              </a:rPr>
+              <a:t>{</a:t>
+            </a:r>
+            <a:r>
+              <a:rPr lang="zh-CN" altLang="zh-CN" sz="2000" b="1" dirty="0">
+                <a:solidFill>
+                  <a:srgbClr val="333333"/>
+                </a:solidFill>
+                <a:latin typeface="+mn-ea"/>
+              </a:rPr>
+              <a:t/>
+            </a:r>
+            <a:br>
+              <a:rPr lang="zh-CN" altLang="zh-CN" sz="2000" b="1" dirty="0">
+                <a:solidFill>
+                  <a:srgbClr val="333333"/>
+                </a:solidFill>
+                <a:latin typeface="+mn-ea"/>
+              </a:rPr>
+            </a:br>
+            <a:r>
+              <a:rPr lang="en-US" altLang="zh-CN" sz="2000" b="1" dirty="0" smtClean="0">
+                <a:solidFill>
+                  <a:srgbClr val="333333"/>
+                </a:solidFill>
+                <a:latin typeface="+mn-ea"/>
+              </a:rPr>
+              <a:t>	</a:t>
+            </a:r>
+            <a:r>
+              <a:rPr lang="zh-CN" altLang="zh-CN" sz="2000" b="1" dirty="0" smtClean="0">
+                <a:solidFill>
+                  <a:srgbClr val="333333"/>
+                </a:solidFill>
+                <a:latin typeface="+mn-ea"/>
+              </a:rPr>
+              <a:t>"</a:t>
+            </a:r>
+            <a:r>
+              <a:rPr lang="zh-CN" altLang="zh-CN" sz="2000" b="1" dirty="0">
+                <a:solidFill>
+                  <a:srgbClr val="333333"/>
+                </a:solidFill>
+                <a:latin typeface="+mn-ea"/>
+              </a:rPr>
+              <a:t>content":"Hello World"</a:t>
+            </a:r>
+            <a:br>
+              <a:rPr lang="zh-CN" altLang="zh-CN" sz="2000" b="1" dirty="0">
+                <a:solidFill>
+                  <a:srgbClr val="333333"/>
+                </a:solidFill>
+                <a:latin typeface="+mn-ea"/>
+              </a:rPr>
+            </a:br>
+            <a:r>
+              <a:rPr lang="en-US" altLang="zh-CN" sz="2000" b="1" dirty="0" smtClean="0">
+                <a:solidFill>
+                  <a:srgbClr val="333333"/>
+                </a:solidFill>
+                <a:latin typeface="+mn-ea"/>
+              </a:rPr>
+              <a:t>	</a:t>
+            </a:r>
+            <a:r>
+              <a:rPr lang="zh-CN" altLang="zh-CN" sz="2000" b="1" dirty="0" smtClean="0">
+                <a:solidFill>
+                  <a:srgbClr val="333333"/>
+                </a:solidFill>
+                <a:latin typeface="+mn-ea"/>
+              </a:rPr>
+              <a:t>}</a:t>
+            </a:r>
+            <a:r>
+              <a:rPr lang="zh-CN" altLang="zh-CN" sz="2000" b="1" dirty="0">
+                <a:solidFill>
+                  <a:srgbClr val="333333"/>
+                </a:solidFill>
+                <a:latin typeface="+mn-ea"/>
+              </a:rPr>
+              <a:t/>
+            </a:r>
+            <a:br>
+              <a:rPr lang="zh-CN" altLang="zh-CN" sz="2000" b="1" dirty="0">
+                <a:solidFill>
+                  <a:srgbClr val="333333"/>
+                </a:solidFill>
+                <a:latin typeface="+mn-ea"/>
+              </a:rPr>
+            </a:br>
+            <a:r>
+              <a:rPr lang="zh-CN" altLang="zh-CN" sz="2000" b="1" dirty="0">
+                <a:solidFill>
+                  <a:srgbClr val="333333"/>
+                </a:solidFill>
+                <a:latin typeface="+mn-ea"/>
+              </a:rPr>
+              <a:t>}</a:t>
+            </a:r>
+            <a:r>
+              <a:rPr lang="zh-CN" altLang="zh-CN" sz="2000" b="1" dirty="0">
+                <a:latin typeface="+mn-ea"/>
+              </a:rPr>
+              <a:t> </a:t>
+            </a:r>
+          </a:p>
+          <a:p>
+            <a:pPr lvl="0"/>
+            <a:r>
+              <a:rPr lang="zh-CN" altLang="zh-CN" sz="2000" b="1" dirty="0">
+                <a:solidFill>
+                  <a:srgbClr val="333333"/>
+                </a:solidFill>
+                <a:latin typeface="+mn-ea"/>
+              </a:rPr>
+              <a:t/>
+            </a:r>
+            <a:br>
+              <a:rPr lang="zh-CN" altLang="zh-CN" sz="2000" b="1" dirty="0">
+                <a:solidFill>
+                  <a:srgbClr val="333333"/>
+                </a:solidFill>
+                <a:latin typeface="+mn-ea"/>
+              </a:rPr>
+            </a:br>
+            <a:endParaRPr lang="zh-CN" altLang="zh-CN" sz="2000" b="1" dirty="0">
+              <a:latin typeface="+mn-ea"/>
+            </a:endParaRPr>
+          </a:p>
+          <a:p>
+            <a:endParaRPr lang="zh-CN" altLang="en-US" sz="2000" b="1" dirty="0">
+              <a:latin typeface="+mn-ea"/>
+            </a:endParaRPr>
+          </a:p>
+        </p:txBody>
+      </p:sp>
+      <p:sp>
+        <p:nvSpPr>
+          <p:cNvPr id="4" name="Rectangle 1"/>
+          <p:cNvSpPr>
+            <a:spLocks noChangeArrowheads="1"/>
+          </p:cNvSpPr>
+          <p:nvPr/>
+        </p:nvSpPr>
+        <p:spPr bwMode="auto">
+          <a:xfrm>
+            <a:off x="0" y="58050"/>
+            <a:ext cx="65" cy="341099"/>
+          </a:xfrm>
+          <a:prstGeom prst="rect">
+            <a:avLst/>
+          </a:prstGeom>
+          <a:solidFill>
+            <a:srgbClr val="F5F5F5"/>
+          </a:solidFill>
+          <a:ln>
+            <a:noFill/>
+          </a:ln>
+          <a:effectLst/>
+          <a:extLst>
+            <a:ext uri="{91240B29-F687-4F45-9708-019B960494DF}">
+              <a14:hiddenLine xmlns:a14="http://schemas.microsoft.com/office/drawing/2010/main" w="9525">
+                <a:solidFill>
+                  <a:schemeClr val="tx1"/>
+                </a:solidFill>
+                <a:miter lim="800000"/>
+                <a:headEnd/>
+                <a:tailEnd/>
+              </a14:hiddenLine>
+            </a:ext>
+            <a:ext uri="{AF507438-7753-43E0-B8FC-AC1667EBCBE1}">
+              <a14:hiddenEffects xmlns:a14="http://schemas.microsoft.com/office/drawing/2010/main">
+                <a:effectLst>
+                  <a:outerShdw dist="35921" dir="2700000" algn="ctr" rotWithShape="0">
+                    <a:schemeClr val="bg2"/>
+                  </a:outerShdw>
+                </a:effectLst>
+              </a14:hiddenEffects>
+            </a:ext>
+          </a:extLst>
+        </p:spPr>
+        <p:txBody>
+          <a:bodyPr vert="horz" wrap="none" lIns="0" tIns="0" rIns="0" bIns="63480" numCol="1" anchor="ctr" anchorCtr="0" compatLnSpc="1">
+            <a:prstTxWarp prst="textNoShape">
+              <a:avLst/>
+            </a:prstTxWarp>
+            <a:spAutoFit/>
+          </a:bodyPr>
+          <a:lstStyle/>
+          <a:p>
+            <a:pPr marL="0" marR="0" lvl="0" indent="0" algn="l" defTabSz="914400" rtl="0" eaLnBrk="0" fontAlgn="base" latinLnBrk="0" hangingPunct="0">
+              <a:lnSpc>
+                <a:spcPct val="100000"/>
+              </a:lnSpc>
+              <a:spcBef>
+                <a:spcPct val="0"/>
+              </a:spcBef>
+              <a:spcAft>
+                <a:spcPct val="0"/>
+              </a:spcAft>
+              <a:buClrTx/>
+              <a:buSzTx/>
+              <a:buFontTx/>
+              <a:buNone/>
+              <a:tabLst/>
+            </a:pPr>
+            <a:endParaRPr kumimoji="0" lang="zh-CN" altLang="zh-CN" sz="1800" b="0" i="0" u="none" strike="noStrike" cap="none" normalizeH="0" baseline="0" dirty="0" smtClean="0">
+              <a:ln>
+                <a:noFill/>
+              </a:ln>
+              <a:solidFill>
+                <a:schemeClr val="tx1"/>
+              </a:solidFill>
+              <a:effectLst/>
+              <a:latin typeface="Arial" panose="020B0604020202020204" pitchFamily="34" charset="0"/>
+            </a:endParaRPr>
+          </a:p>
+        </p:txBody>
+      </p:sp>
+      <p:sp>
+        <p:nvSpPr>
+          <p:cNvPr id="5" name="Rectangle 2"/>
+          <p:cNvSpPr>
+            <a:spLocks noChangeArrowheads="1"/>
+          </p:cNvSpPr>
+          <p:nvPr/>
+        </p:nvSpPr>
+        <p:spPr bwMode="auto">
+          <a:xfrm>
+            <a:off x="0" y="58050"/>
+            <a:ext cx="65" cy="341099"/>
+          </a:xfrm>
+          <a:prstGeom prst="rect">
+            <a:avLst/>
+          </a:prstGeom>
+          <a:solidFill>
+            <a:srgbClr val="F5F5F5"/>
+          </a:solidFill>
+          <a:ln>
+            <a:noFill/>
+          </a:ln>
+          <a:effectLst/>
+          <a:extLst>
+            <a:ext uri="{91240B29-F687-4F45-9708-019B960494DF}">
+              <a14:hiddenLine xmlns:a14="http://schemas.microsoft.com/office/drawing/2010/main" w="9525">
+                <a:solidFill>
+                  <a:schemeClr val="tx1"/>
+                </a:solidFill>
+                <a:miter lim="800000"/>
+                <a:headEnd/>
+                <a:tailEnd/>
+              </a14:hiddenLine>
+            </a:ext>
+            <a:ext uri="{AF507438-7753-43E0-B8FC-AC1667EBCBE1}">
+              <a14:hiddenEffects xmlns:a14="http://schemas.microsoft.com/office/drawing/2010/main">
+                <a:effectLst>
+                  <a:outerShdw dist="35921" dir="2700000" algn="ctr" rotWithShape="0">
+                    <a:schemeClr val="bg2"/>
+                  </a:outerShdw>
+                </a:effectLst>
+              </a14:hiddenEffects>
+            </a:ext>
+          </a:extLst>
+        </p:spPr>
+        <p:txBody>
+          <a:bodyPr vert="horz" wrap="none" lIns="0" tIns="0" rIns="0" bIns="63480" numCol="1" anchor="ctr" anchorCtr="0" compatLnSpc="1">
+            <a:prstTxWarp prst="textNoShape">
+              <a:avLst/>
+            </a:prstTxWarp>
+            <a:spAutoFit/>
+          </a:bodyPr>
+          <a:lstStyle/>
+          <a:p>
+            <a:pPr marL="0" marR="0" lvl="0" indent="0" algn="l" defTabSz="914400" rtl="0" eaLnBrk="0" fontAlgn="base" latinLnBrk="0" hangingPunct="0">
+              <a:lnSpc>
+                <a:spcPct val="100000"/>
+              </a:lnSpc>
+              <a:spcBef>
+                <a:spcPct val="0"/>
+              </a:spcBef>
+              <a:spcAft>
+                <a:spcPct val="0"/>
+              </a:spcAft>
+              <a:buClrTx/>
+              <a:buSzTx/>
+              <a:buFontTx/>
+              <a:buNone/>
+              <a:tabLst/>
+            </a:pPr>
+            <a:endParaRPr kumimoji="0" lang="zh-CN" altLang="zh-CN" sz="1800" b="0" i="0" u="none" strike="noStrike" cap="none" normalizeH="0" baseline="0" dirty="0" smtClean="0">
+              <a:ln>
+                <a:noFill/>
+              </a:ln>
+              <a:solidFill>
+                <a:schemeClr val="tx1"/>
+              </a:solidFill>
+              <a:effectLst/>
+              <a:latin typeface="Arial" panose="020B0604020202020204" pitchFamily="34" charset="0"/>
+            </a:endParaRPr>
+          </a:p>
+        </p:txBody>
+      </p:sp>
+      <p:sp>
+        <p:nvSpPr>
+          <p:cNvPr id="6" name="Rectangle 3"/>
+          <p:cNvSpPr>
+            <a:spLocks noChangeArrowheads="1"/>
+          </p:cNvSpPr>
+          <p:nvPr/>
+        </p:nvSpPr>
+        <p:spPr bwMode="auto">
+          <a:xfrm>
+            <a:off x="-1549400" y="7250"/>
+            <a:ext cx="65" cy="341099"/>
+          </a:xfrm>
+          <a:prstGeom prst="rect">
+            <a:avLst/>
+          </a:prstGeom>
+          <a:solidFill>
+            <a:srgbClr val="F5F5F5"/>
+          </a:solidFill>
+          <a:ln>
+            <a:noFill/>
+          </a:ln>
+          <a:effectLst/>
+          <a:extLst>
+            <a:ext uri="{91240B29-F687-4F45-9708-019B960494DF}">
+              <a14:hiddenLine xmlns:a14="http://schemas.microsoft.com/office/drawing/2010/main" w="9525">
+                <a:solidFill>
+                  <a:schemeClr val="tx1"/>
+                </a:solidFill>
+                <a:miter lim="800000"/>
+                <a:headEnd/>
+                <a:tailEnd/>
+              </a14:hiddenLine>
+            </a:ext>
+            <a:ext uri="{AF507438-7753-43E0-B8FC-AC1667EBCBE1}">
+              <a14:hiddenEffects xmlns:a14="http://schemas.microsoft.com/office/drawing/2010/main">
+                <a:effectLst>
+                  <a:outerShdw dist="35921" dir="2700000" algn="ctr" rotWithShape="0">
+                    <a:schemeClr val="bg2"/>
+                  </a:outerShdw>
+                </a:effectLst>
+              </a14:hiddenEffects>
+            </a:ext>
+          </a:extLst>
+        </p:spPr>
+        <p:txBody>
+          <a:bodyPr vert="horz" wrap="none" lIns="0" tIns="0" rIns="0" bIns="63480" numCol="1" anchor="ctr" anchorCtr="0" compatLnSpc="1">
+            <a:prstTxWarp prst="textNoShape">
+              <a:avLst/>
+            </a:prstTxWarp>
+            <a:spAutoFit/>
+          </a:bodyPr>
+          <a:lstStyle/>
+          <a:p>
+            <a:pPr marL="0" marR="0" lvl="0" indent="0" algn="l" defTabSz="914400" rtl="0" eaLnBrk="0" fontAlgn="base" latinLnBrk="0" hangingPunct="0">
+              <a:lnSpc>
+                <a:spcPct val="100000"/>
+              </a:lnSpc>
+              <a:spcBef>
+                <a:spcPct val="0"/>
+              </a:spcBef>
+              <a:spcAft>
+                <a:spcPct val="0"/>
+              </a:spcAft>
+              <a:buClrTx/>
+              <a:buSzTx/>
+              <a:buFontTx/>
+              <a:buNone/>
+              <a:tabLst/>
+            </a:pPr>
+            <a:endParaRPr kumimoji="0" lang="zh-CN" altLang="zh-CN" sz="1800" b="0" i="0" u="none" strike="noStrike" cap="none" normalizeH="0" baseline="0" dirty="0" smtClean="0">
+              <a:ln>
+                <a:noFill/>
+              </a:ln>
+              <a:solidFill>
+                <a:schemeClr val="tx1"/>
+              </a:solidFill>
+              <a:effectLst/>
+              <a:latin typeface="Arial" panose="020B0604020202020204" pitchFamily="34" charset="0"/>
+            </a:endParaRPr>
+          </a:p>
+        </p:txBody>
+      </p:sp>
+      <p:sp>
+        <p:nvSpPr>
+          <p:cNvPr id="7" name="Rectangle 4"/>
+          <p:cNvSpPr>
+            <a:spLocks noChangeArrowheads="1"/>
+          </p:cNvSpPr>
+          <p:nvPr/>
+        </p:nvSpPr>
+        <p:spPr bwMode="auto">
+          <a:xfrm>
+            <a:off x="0" y="58050"/>
+            <a:ext cx="65" cy="341099"/>
+          </a:xfrm>
+          <a:prstGeom prst="rect">
+            <a:avLst/>
+          </a:prstGeom>
+          <a:solidFill>
+            <a:srgbClr val="F5F5F5"/>
+          </a:solidFill>
+          <a:ln>
+            <a:noFill/>
+          </a:ln>
+          <a:effectLst/>
+          <a:extLst>
+            <a:ext uri="{91240B29-F687-4F45-9708-019B960494DF}">
+              <a14:hiddenLine xmlns:a14="http://schemas.microsoft.com/office/drawing/2010/main" w="9525">
+                <a:solidFill>
+                  <a:schemeClr val="tx1"/>
+                </a:solidFill>
+                <a:miter lim="800000"/>
+                <a:headEnd/>
+                <a:tailEnd/>
+              </a14:hiddenLine>
+            </a:ext>
+            <a:ext uri="{AF507438-7753-43E0-B8FC-AC1667EBCBE1}">
+              <a14:hiddenEffects xmlns:a14="http://schemas.microsoft.com/office/drawing/2010/main">
+                <a:effectLst>
+                  <a:outerShdw dist="35921" dir="2700000" algn="ctr" rotWithShape="0">
+                    <a:schemeClr val="bg2"/>
+                  </a:outerShdw>
+                </a:effectLst>
+              </a14:hiddenEffects>
+            </a:ext>
+          </a:extLst>
+        </p:spPr>
+        <p:txBody>
+          <a:bodyPr vert="horz" wrap="none" lIns="0" tIns="0" rIns="0" bIns="63480" numCol="1" anchor="ctr" anchorCtr="0" compatLnSpc="1">
+            <a:prstTxWarp prst="textNoShape">
+              <a:avLst/>
+            </a:prstTxWarp>
+            <a:spAutoFit/>
+          </a:bodyPr>
+          <a:lstStyle/>
+          <a:p>
+            <a:pPr marL="0" marR="0" lvl="0" indent="0" algn="l" defTabSz="914400" rtl="0" eaLnBrk="0" fontAlgn="base" latinLnBrk="0" hangingPunct="0">
+              <a:lnSpc>
+                <a:spcPct val="100000"/>
+              </a:lnSpc>
+              <a:spcBef>
+                <a:spcPct val="0"/>
+              </a:spcBef>
+              <a:spcAft>
+                <a:spcPct val="0"/>
+              </a:spcAft>
+              <a:buClrTx/>
+              <a:buSzTx/>
+              <a:buFontTx/>
+              <a:buNone/>
+              <a:tabLst/>
+            </a:pPr>
+            <a:endParaRPr kumimoji="0" lang="zh-CN" altLang="zh-CN" sz="1800" b="0" i="0" u="none" strike="noStrike" cap="none" normalizeH="0" baseline="0" dirty="0" smtClean="0">
+              <a:ln>
+                <a:noFill/>
+              </a:ln>
+              <a:solidFill>
+                <a:schemeClr val="tx1"/>
+              </a:solidFill>
+              <a:effectLst/>
+              <a:latin typeface="Arial" panose="020B0604020202020204" pitchFamily="34" charset="0"/>
+            </a:endParaRPr>
+          </a:p>
+        </p:txBody>
+      </p:sp>
+    </p:spTree>
+    <p:extLst>
+      <p:ext uri="{BB962C8B-B14F-4D97-AF65-F5344CB8AC3E}">
+        <p14:creationId xmlns:p14="http://schemas.microsoft.com/office/powerpoint/2010/main" val="1297033572"/>
+      </p:ext>
+    </p:extLst>
+  </p:cSld>
+  <p:clrMapOvr>
+    <a:masterClrMapping/>
+  </p:clrMapOvr>
+  <p:timing>
+    <p:tnLst>
+      <p:par>
+        <p:cTn id="1" dur="indefinite" restart="never" nodeType="tmRoot"/>
+      </p:par>
+    </p:tnLst>
+  </p:timing>
 </p:sld>
 </file>
 
@@ -3778,4 +7200,265 @@
     </a:ext>
   </a:extLst>
 </a:theme>
+</file>
+
+<file path=ppt/theme/theme2.xml><?xml version="1.0" encoding="utf-8"?>
+<a:theme xmlns:a="http://schemas.openxmlformats.org/drawingml/2006/main" name="Office 主题">
+  <a:themeElements>
+    <a:clrScheme name="Office">
+      <a:dk1>
+        <a:sysClr val="windowText" lastClr="000000"/>
+      </a:dk1>
+      <a:lt1>
+        <a:sysClr val="window" lastClr="FFFFFF"/>
+      </a:lt1>
+      <a:dk2>
+        <a:srgbClr val="44546A"/>
+      </a:dk2>
+      <a:lt2>
+        <a:srgbClr val="E7E6E6"/>
+      </a:lt2>
+      <a:accent1>
+        <a:srgbClr val="5B9BD5"/>
+      </a:accent1>
+      <a:accent2>
+        <a:srgbClr val="ED7D31"/>
+      </a:accent2>
+      <a:accent3>
+        <a:srgbClr val="A5A5A5"/>
+      </a:accent3>
+      <a:accent4>
+        <a:srgbClr val="FFC000"/>
+      </a:accent4>
+      <a:accent5>
+        <a:srgbClr val="4472C4"/>
+      </a:accent5>
+      <a:accent6>
+        <a:srgbClr val="70AD47"/>
+      </a:accent6>
+      <a:hlink>
+        <a:srgbClr val="0563C1"/>
+      </a:hlink>
+      <a:folHlink>
+        <a:srgbClr val="954F72"/>
+      </a:folHlink>
+    </a:clrScheme>
+    <a:fontScheme name="Office">
+      <a:majorFont>
+        <a:latin typeface="Calibri Light" panose="020F0302020204030204"/>
+        <a:ea typeface=""/>
+        <a:cs typeface=""/>
+        <a:font script="Jpan" typeface="ＭＳ Ｐゴシック"/>
+        <a:font script="Hang" typeface="맑은 고딕"/>
+        <a:font script="Hans" typeface="宋体"/>
+        <a:font script="Hant" typeface="新細明體"/>
+        <a:font script="Arab" typeface="Times New Roman"/>
+        <a:font script="Hebr" typeface="Times New Roman"/>
+        <a:font script="Thai" typeface="Angsana New"/>
+        <a:font script="Ethi" typeface="Nyala"/>
+        <a:font script="Beng" typeface="Vrinda"/>
+        <a:font script="Gujr" typeface="Shruti"/>
+        <a:font script="Khmr" typeface="MoolBoran"/>
+        <a:font script="Knda" typeface="Tunga"/>
+        <a:font script="Guru" typeface="Raavi"/>
+        <a:font script="Cans" typeface="Euphemia"/>
+        <a:font script="Cher" typeface="Plantagenet Cherokee"/>
+        <a:font script="Yiii" typeface="Microsoft Yi Baiti"/>
+        <a:font script="Tibt" typeface="Microsoft Himalaya"/>
+        <a:font script="Thaa" typeface="MV Boli"/>
+        <a:font script="Deva" typeface="Mangal"/>
+        <a:font script="Telu" typeface="Gautami"/>
+        <a:font script="Taml" typeface="Latha"/>
+        <a:font script="Syrc" typeface="Estrangelo Edessa"/>
+        <a:font script="Orya" typeface="Kalinga"/>
+        <a:font script="Mlym" typeface="Kartika"/>
+        <a:font script="Laoo" typeface="DokChampa"/>
+        <a:font script="Sinh" typeface="Iskoola Pota"/>
+        <a:font script="Mong" typeface="Mongolian Baiti"/>
+        <a:font script="Viet" typeface="Times New Roman"/>
+        <a:font script="Uigh" typeface="Microsoft Uighur"/>
+        <a:font script="Geor" typeface="Sylfaen"/>
+      </a:majorFont>
+      <a:minorFont>
+        <a:latin typeface="Calibri" panose="020F0502020204030204"/>
+        <a:ea typeface=""/>
+        <a:cs typeface=""/>
+        <a:font script="Jpan" typeface="ＭＳ Ｐゴシック"/>
+        <a:font script="Hang" typeface="맑은 고딕"/>
+        <a:font script="Hans" typeface="宋体"/>
+        <a:font script="Hant" typeface="新細明體"/>
+        <a:font script="Arab" typeface="Arial"/>
+        <a:font script="Hebr" typeface="Arial"/>
+        <a:font script="Thai" typeface="Cordia New"/>
+        <a:font script="Ethi" typeface="Nyala"/>
+        <a:font script="Beng" typeface="Vrinda"/>
+        <a:font script="Gujr" typeface="Shruti"/>
+        <a:font script="Khmr" typeface="DaunPenh"/>
+        <a:font script="Knda" typeface="Tunga"/>
+        <a:font script="Guru" typeface="Raavi"/>
+        <a:font script="Cans" typeface="Euphemia"/>
+        <a:font script="Cher" typeface="Plantagenet Cherokee"/>
+        <a:font script="Yiii" typeface="Microsoft Yi Baiti"/>
+        <a:font script="Tibt" typeface="Microsoft Himalaya"/>
+        <a:font script="Thaa" typeface="MV Boli"/>
+        <a:font script="Deva" typeface="Mangal"/>
+        <a:font script="Telu" typeface="Gautami"/>
+        <a:font script="Taml" typeface="Latha"/>
+        <a:font script="Syrc" typeface="Estrangelo Edessa"/>
+        <a:font script="Orya" typeface="Kalinga"/>
+        <a:font script="Mlym" typeface="Kartika"/>
+        <a:font script="Laoo" typeface="DokChampa"/>
+        <a:font script="Sinh" typeface="Iskoola Pota"/>
+        <a:font script="Mong" typeface="Mongolian Baiti"/>
+        <a:font script="Viet" typeface="Arial"/>
+        <a:font script="Uigh" typeface="Microsoft Uighur"/>
+        <a:font script="Geor" typeface="Sylfaen"/>
+      </a:minorFont>
+    </a:fontScheme>
+    <a:fmtScheme name="Office">
+      <a:fillStyleLst>
+        <a:solidFill>
+          <a:schemeClr val="phClr"/>
+        </a:solidFill>
+        <a:gradFill rotWithShape="1">
+          <a:gsLst>
+            <a:gs pos="0">
+              <a:schemeClr val="phClr">
+                <a:lumMod val="110000"/>
+                <a:satMod val="105000"/>
+                <a:tint val="67000"/>
+              </a:schemeClr>
+            </a:gs>
+            <a:gs pos="50000">
+              <a:schemeClr val="phClr">
+                <a:lumMod val="105000"/>
+                <a:satMod val="103000"/>
+                <a:tint val="73000"/>
+              </a:schemeClr>
+            </a:gs>
+            <a:gs pos="100000">
+              <a:schemeClr val="phClr">
+                <a:lumMod val="105000"/>
+                <a:satMod val="109000"/>
+                <a:tint val="81000"/>
+              </a:schemeClr>
+            </a:gs>
+          </a:gsLst>
+          <a:lin ang="5400000" scaled="0"/>
+        </a:gradFill>
+        <a:gradFill rotWithShape="1">
+          <a:gsLst>
+            <a:gs pos="0">
+              <a:schemeClr val="phClr">
+                <a:satMod val="103000"/>
+                <a:lumMod val="102000"/>
+                <a:tint val="94000"/>
+              </a:schemeClr>
+            </a:gs>
+            <a:gs pos="50000">
+              <a:schemeClr val="phClr">
+                <a:satMod val="110000"/>
+                <a:lumMod val="100000"/>
+                <a:shade val="100000"/>
+              </a:schemeClr>
+            </a:gs>
+            <a:gs pos="100000">
+              <a:schemeClr val="phClr">
+                <a:lumMod val="99000"/>
+                <a:satMod val="120000"/>
+                <a:shade val="78000"/>
+              </a:schemeClr>
+            </a:gs>
+          </a:gsLst>
+          <a:lin ang="5400000" scaled="0"/>
+        </a:gradFill>
+      </a:fillStyleLst>
+      <a:lnStyleLst>
+        <a:ln w="6350" cap="flat" cmpd="sng" algn="ctr">
+          <a:solidFill>
+            <a:schemeClr val="phClr"/>
+          </a:solidFill>
+          <a:prstDash val="solid"/>
+          <a:miter lim="800000"/>
+        </a:ln>
+        <a:ln w="12700" cap="flat" cmpd="sng" algn="ctr">
+          <a:solidFill>
+            <a:schemeClr val="phClr"/>
+          </a:solidFill>
+          <a:prstDash val="solid"/>
+          <a:miter lim="800000"/>
+        </a:ln>
+        <a:ln w="19050" cap="flat" cmpd="sng" algn="ctr">
+          <a:solidFill>
+            <a:schemeClr val="phClr"/>
+          </a:solidFill>
+          <a:prstDash val="solid"/>
+          <a:miter lim="800000"/>
+        </a:ln>
+      </a:lnStyleLst>
+      <a:effectStyleLst>
+        <a:effectStyle>
+          <a:effectLst/>
+        </a:effectStyle>
+        <a:effectStyle>
+          <a:effectLst/>
+        </a:effectStyle>
+        <a:effectStyle>
+          <a:effectLst>
+            <a:outerShdw blurRad="57150" dist="19050" dir="5400000" algn="ctr" rotWithShape="0">
+              <a:srgbClr val="000000">
+                <a:alpha val="63000"/>
+              </a:srgbClr>
+            </a:outerShdw>
+          </a:effectLst>
+        </a:effectStyle>
+      </a:effectStyleLst>
+      <a:bgFillStyleLst>
+        <a:solidFill>
+          <a:schemeClr val="phClr"/>
+        </a:solidFill>
+        <a:solidFill>
+          <a:schemeClr val="phClr">
+            <a:tint val="95000"/>
+            <a:satMod val="170000"/>
+          </a:schemeClr>
+        </a:solidFill>
+        <a:gradFill rotWithShape="1">
+          <a:gsLst>
+            <a:gs pos="0">
+              <a:schemeClr val="phClr">
+                <a:tint val="93000"/>
+                <a:satMod val="150000"/>
+                <a:shade val="98000"/>
+                <a:lumMod val="102000"/>
+              </a:schemeClr>
+            </a:gs>
+            <a:gs pos="50000">
+              <a:schemeClr val="phClr">
+                <a:tint val="98000"/>
+                <a:satMod val="130000"/>
+                <a:shade val="90000"/>
+                <a:lumMod val="103000"/>
+              </a:schemeClr>
+            </a:gs>
+            <a:gs pos="100000">
+              <a:schemeClr val="phClr">
+                <a:shade val="63000"/>
+                <a:satMod val="120000"/>
+              </a:schemeClr>
+            </a:gs>
+          </a:gsLst>
+          <a:lin ang="5400000" scaled="0"/>
+        </a:gradFill>
+      </a:bgFillStyleLst>
+    </a:fmtScheme>
+  </a:themeElements>
+  <a:objectDefaults/>
+  <a:extraClrSchemeLst/>
+  <a:extLst>
+    <a:ext uri="{05A4C25C-085E-4340-85A3-A5531E510DB2}">
+      <thm15:themeFamily xmlns:thm15="http://schemas.microsoft.com/office/thememl/2012/main" name="Office Theme" id="{62F939B6-93AF-4DB8-9C6B-D6C7DFDC589F}" vid="{4A3C46E8-61CC-4603-A589-7422A47A8E4A}"/>
+    </a:ext>
+  </a:extLst>
+</a:theme>
 </file>